--- a/slides/VS2019-Launch-CS80.pptx
+++ b/slides/VS2019-Launch-CS80.pptx
@@ -6,10 +6,10 @@
     <p:sldMasterId id="2147484495" r:id="rId5"/>
   </p:sldMasterIdLst>
   <p:notesMasterIdLst>
-    <p:notesMasterId r:id="rId48"/>
+    <p:notesMasterId r:id="rId50"/>
   </p:notesMasterIdLst>
   <p:handoutMasterIdLst>
-    <p:handoutMasterId r:id="rId49"/>
+    <p:handoutMasterId r:id="rId51"/>
   </p:handoutMasterIdLst>
   <p:sldIdLst>
     <p:sldId id="1568" r:id="rId6"/>
@@ -24,36 +24,38 @@
     <p:sldId id="260" r:id="rId15"/>
     <p:sldId id="264" r:id="rId16"/>
     <p:sldId id="271" r:id="rId17"/>
-    <p:sldId id="1587" r:id="rId18"/>
-    <p:sldId id="263" r:id="rId19"/>
-    <p:sldId id="1584" r:id="rId20"/>
-    <p:sldId id="1585" r:id="rId21"/>
-    <p:sldId id="1583" r:id="rId22"/>
-    <p:sldId id="1576" r:id="rId23"/>
-    <p:sldId id="278" r:id="rId24"/>
-    <p:sldId id="257" r:id="rId25"/>
-    <p:sldId id="259" r:id="rId26"/>
-    <p:sldId id="279" r:id="rId27"/>
-    <p:sldId id="267" r:id="rId28"/>
-    <p:sldId id="288" r:id="rId29"/>
-    <p:sldId id="266" r:id="rId30"/>
-    <p:sldId id="273" r:id="rId31"/>
-    <p:sldId id="274" r:id="rId32"/>
-    <p:sldId id="281" r:id="rId33"/>
-    <p:sldId id="272" r:id="rId34"/>
-    <p:sldId id="275" r:id="rId35"/>
-    <p:sldId id="268" r:id="rId36"/>
-    <p:sldId id="280" r:id="rId37"/>
-    <p:sldId id="287" r:id="rId38"/>
-    <p:sldId id="284" r:id="rId39"/>
-    <p:sldId id="285" r:id="rId40"/>
-    <p:sldId id="1569" r:id="rId41"/>
-    <p:sldId id="1570" r:id="rId42"/>
-    <p:sldId id="1581" r:id="rId43"/>
-    <p:sldId id="1571" r:id="rId44"/>
-    <p:sldId id="261" r:id="rId45"/>
-    <p:sldId id="258" r:id="rId46"/>
-    <p:sldId id="283" r:id="rId47"/>
+    <p:sldId id="1589" r:id="rId18"/>
+    <p:sldId id="1587" r:id="rId19"/>
+    <p:sldId id="263" r:id="rId20"/>
+    <p:sldId id="1584" r:id="rId21"/>
+    <p:sldId id="1585" r:id="rId22"/>
+    <p:sldId id="1583" r:id="rId23"/>
+    <p:sldId id="1576" r:id="rId24"/>
+    <p:sldId id="278" r:id="rId25"/>
+    <p:sldId id="257" r:id="rId26"/>
+    <p:sldId id="259" r:id="rId27"/>
+    <p:sldId id="279" r:id="rId28"/>
+    <p:sldId id="267" r:id="rId29"/>
+    <p:sldId id="288" r:id="rId30"/>
+    <p:sldId id="266" r:id="rId31"/>
+    <p:sldId id="273" r:id="rId32"/>
+    <p:sldId id="274" r:id="rId33"/>
+    <p:sldId id="281" r:id="rId34"/>
+    <p:sldId id="272" r:id="rId35"/>
+    <p:sldId id="275" r:id="rId36"/>
+    <p:sldId id="268" r:id="rId37"/>
+    <p:sldId id="280" r:id="rId38"/>
+    <p:sldId id="287" r:id="rId39"/>
+    <p:sldId id="284" r:id="rId40"/>
+    <p:sldId id="285" r:id="rId41"/>
+    <p:sldId id="1569" r:id="rId42"/>
+    <p:sldId id="1570" r:id="rId43"/>
+    <p:sldId id="1581" r:id="rId44"/>
+    <p:sldId id="1571" r:id="rId45"/>
+    <p:sldId id="289" r:id="rId46"/>
+    <p:sldId id="261" r:id="rId47"/>
+    <p:sldId id="258" r:id="rId48"/>
+    <p:sldId id="283" r:id="rId49"/>
   </p:sldIdLst>
   <p:sldSz cx="12436475" cy="6994525"/>
   <p:notesSz cx="6858000" cy="9144000"/>
@@ -877,7 +879,7 @@
           <a:bodyPr/>
           <a:lstStyle/>
           <a:p>
-            <a:endParaRPr lang="en-US"/>
+            <a:endParaRPr lang="en-US" dirty="0"/>
           </a:p>
         </p:txBody>
       </p:sp>
@@ -1241,7 +1243,11 @@
             </a:pPr>
             <a:r>
               <a:rPr lang="sr-Latn-BA" dirty="0"/>
-              <a:t>Endpoint routing</a:t>
+              <a:t>Why Windows</a:t>
+            </a:r>
+            <a:r>
+              <a:rPr lang="sr-Latn-BA" baseline="0" dirty="0"/>
+              <a:t> Desktop on Core?</a:t>
             </a:r>
           </a:p>
           <a:p>
@@ -1250,12 +1256,8 @@
               <a:buChar char="-"/>
             </a:pPr>
             <a:r>
-              <a:rPr lang="sr-Latn-BA" dirty="0"/>
-              <a:t>Endpoint</a:t>
-            </a:r>
-            <a:r>
               <a:rPr lang="sr-Latn-BA" baseline="0" dirty="0"/>
-              <a:t> class, </a:t>
+              <a:t>Performance</a:t>
             </a:r>
           </a:p>
           <a:p>
@@ -1265,7 +1267,7 @@
             </a:pPr>
             <a:r>
               <a:rPr lang="sr-Latn-BA" baseline="0" dirty="0"/>
-              <a:t>New MapXxx() extension methods</a:t>
+              <a:t>Side by side execution</a:t>
             </a:r>
           </a:p>
           <a:p>
@@ -1275,7 +1277,7 @@
             </a:pPr>
             <a:r>
               <a:rPr lang="sr-Latn-BA" baseline="0" dirty="0"/>
-              <a:t>CORS</a:t>
+              <a:t>Self-contained exe</a:t>
             </a:r>
           </a:p>
           <a:p>
@@ -1285,9 +1287,18 @@
             </a:pPr>
             <a:r>
               <a:rPr lang="sr-Latn-BA" baseline="0" dirty="0"/>
-              <a:t>HealthChecks</a:t>
-            </a:r>
-            <a:endParaRPr lang="en-US" dirty="0"/>
+              <a:t>BCL improvements</a:t>
+            </a:r>
+          </a:p>
+          <a:p>
+            <a:pPr marL="628650" lvl="1" indent="-171450">
+              <a:buFontTx/>
+              <a:buChar char="-"/>
+            </a:pPr>
+            <a:r>
+              <a:rPr lang="sr-Latn-BA" baseline="0" dirty="0"/>
+              <a:t>Open-source</a:t>
+            </a:r>
           </a:p>
         </p:txBody>
       </p:sp>
@@ -1308,7 +1319,7 @@
           <a:p>
             <a:fld id="{C8DA2B22-DD6B-46CA-A93F-FA5BD501CEA0}" type="slidenum">
               <a:rPr lang="en-US" smtClean="0"/>
-              <a:t>25</a:t>
+              <a:t>21</a:t>
             </a:fld>
             <a:endParaRPr lang="en-US"/>
           </a:p>
@@ -1317,7 +1328,7 @@
     </p:spTree>
     <p:extLst>
       <p:ext uri="{BB962C8B-B14F-4D97-AF65-F5344CB8AC3E}">
-        <p14:creationId xmlns:p14="http://schemas.microsoft.com/office/powerpoint/2010/main" val="2110193246"/>
+        <p14:creationId xmlns:p14="http://schemas.microsoft.com/office/powerpoint/2010/main" val="2723720983"/>
       </p:ext>
     </p:extLst>
   </p:cSld>
@@ -1376,53 +1387,23 @@
               <a:buChar char="-"/>
             </a:pPr>
             <a:r>
-              <a:rPr lang="en-US" dirty="0"/>
-              <a:t>SPA </a:t>
-            </a:r>
-            <a:r>
-              <a:rPr lang="en-US" dirty="0" err="1"/>
-              <a:t>auth</a:t>
-            </a:r>
-            <a:r>
-              <a:rPr lang="en-US" dirty="0"/>
-              <a:t> not available from VS</a:t>
-            </a:r>
-          </a:p>
-          <a:p>
-            <a:pPr marL="171450" indent="-171450">
+              <a:rPr lang="sr-Latn-BA" dirty="0"/>
+              <a:t>Check out</a:t>
+            </a:r>
+            <a:r>
+              <a:rPr lang="sr-Latn-BA" baseline="0" dirty="0"/>
+              <a:t> the documentation</a:t>
+            </a:r>
+          </a:p>
+          <a:p>
+            <a:pPr marL="628650" lvl="1" indent="-171450">
               <a:buFontTx/>
               <a:buChar char="-"/>
             </a:pPr>
             <a:r>
               <a:rPr lang="en-US" dirty="0"/>
-              <a:t>dotnet new react -au Individual</a:t>
-            </a:r>
-          </a:p>
-          <a:p>
-            <a:pPr marL="171450" indent="-171450">
-              <a:buFontTx/>
-              <a:buChar char="-"/>
-            </a:pPr>
-            <a:r>
-              <a:rPr lang="en-US" dirty="0"/>
-              <a:t>Angular template has at least one problem</a:t>
-            </a:r>
-            <a:endParaRPr lang="en-US" baseline="0" dirty="0"/>
-          </a:p>
-          <a:p>
-            <a:pPr marL="171450" indent="-171450">
-              <a:buFontTx/>
-              <a:buChar char="-"/>
-            </a:pPr>
-            <a:r>
-              <a:rPr lang="en-US" baseline="0" dirty="0"/>
-              <a:t>React has </a:t>
-            </a:r>
-            <a:r>
-              <a:rPr lang="en-US" baseline="0"/>
-              <a:t>multiple issues</a:t>
-            </a:r>
-            <a:endParaRPr lang="en-US" dirty="0"/>
+              <a:t>https://docs.microsoft.com/en-us/aspnet/core/razor-components/components?view=aspnetcore-3.0</a:t>
+            </a:r>
           </a:p>
         </p:txBody>
       </p:sp>
@@ -1443,7 +1424,7 @@
           <a:p>
             <a:fld id="{C8DA2B22-DD6B-46CA-A93F-FA5BD501CEA0}" type="slidenum">
               <a:rPr lang="en-US" smtClean="0"/>
-              <a:t>26</a:t>
+              <a:t>24</a:t>
             </a:fld>
             <a:endParaRPr lang="en-US"/>
           </a:p>
@@ -1452,7 +1433,7 @@
     </p:spTree>
     <p:extLst>
       <p:ext uri="{BB962C8B-B14F-4D97-AF65-F5344CB8AC3E}">
-        <p14:creationId xmlns:p14="http://schemas.microsoft.com/office/powerpoint/2010/main" val="1500621942"/>
+        <p14:creationId xmlns:p14="http://schemas.microsoft.com/office/powerpoint/2010/main" val="1609557315"/>
       </p:ext>
     </p:extLst>
   </p:cSld>
@@ -1506,6 +1487,58 @@
           <a:bodyPr/>
           <a:lstStyle/>
           <a:p>
+            <a:pPr marL="171450" indent="-171450">
+              <a:buFontTx/>
+              <a:buChar char="-"/>
+            </a:pPr>
+            <a:r>
+              <a:rPr lang="sr-Latn-BA" dirty="0"/>
+              <a:t>Endpoint routing</a:t>
+            </a:r>
+          </a:p>
+          <a:p>
+            <a:pPr marL="628650" lvl="1" indent="-171450">
+              <a:buFontTx/>
+              <a:buChar char="-"/>
+            </a:pPr>
+            <a:r>
+              <a:rPr lang="sr-Latn-BA" dirty="0"/>
+              <a:t>Endpoint</a:t>
+            </a:r>
+            <a:r>
+              <a:rPr lang="sr-Latn-BA" baseline="0" dirty="0"/>
+              <a:t> class, </a:t>
+            </a:r>
+          </a:p>
+          <a:p>
+            <a:pPr marL="628650" lvl="1" indent="-171450">
+              <a:buFontTx/>
+              <a:buChar char="-"/>
+            </a:pPr>
+            <a:r>
+              <a:rPr lang="sr-Latn-BA" baseline="0" dirty="0"/>
+              <a:t>New MapXxx() extension methods</a:t>
+            </a:r>
+          </a:p>
+          <a:p>
+            <a:pPr marL="628650" lvl="1" indent="-171450">
+              <a:buFontTx/>
+              <a:buChar char="-"/>
+            </a:pPr>
+            <a:r>
+              <a:rPr lang="sr-Latn-BA" baseline="0" dirty="0"/>
+              <a:t>CORS</a:t>
+            </a:r>
+          </a:p>
+          <a:p>
+            <a:pPr marL="628650" lvl="1" indent="-171450">
+              <a:buFontTx/>
+              <a:buChar char="-"/>
+            </a:pPr>
+            <a:r>
+              <a:rPr lang="sr-Latn-BA" baseline="0" dirty="0"/>
+              <a:t>HealthChecks</a:t>
+            </a:r>
             <a:endParaRPr lang="en-US" dirty="0"/>
           </a:p>
         </p:txBody>
@@ -1527,7 +1560,7 @@
           <a:p>
             <a:fld id="{C8DA2B22-DD6B-46CA-A93F-FA5BD501CEA0}" type="slidenum">
               <a:rPr lang="en-US" smtClean="0"/>
-              <a:t>33</a:t>
+              <a:t>26</a:t>
             </a:fld>
             <a:endParaRPr lang="en-US"/>
           </a:p>
@@ -1536,7 +1569,7 @@
     </p:spTree>
     <p:extLst>
       <p:ext uri="{BB962C8B-B14F-4D97-AF65-F5344CB8AC3E}">
-        <p14:creationId xmlns:p14="http://schemas.microsoft.com/office/powerpoint/2010/main" val="3493641338"/>
+        <p14:creationId xmlns:p14="http://schemas.microsoft.com/office/powerpoint/2010/main" val="2110193246"/>
       </p:ext>
     </p:extLst>
   </p:cSld>
@@ -1590,9 +1623,56 @@
           <a:bodyPr/>
           <a:lstStyle/>
           <a:p>
-            <a:r>
-              <a:rPr lang="sr-Latn-BA" dirty="0"/>
-              <a:t>Current perfornance with ASP.NET Core 2.2</a:t>
+            <a:pPr marL="171450" indent="-171450">
+              <a:buFontTx/>
+              <a:buChar char="-"/>
+            </a:pPr>
+            <a:r>
+              <a:rPr lang="en-US" dirty="0"/>
+              <a:t>SPA </a:t>
+            </a:r>
+            <a:r>
+              <a:rPr lang="en-US" dirty="0" err="1"/>
+              <a:t>auth</a:t>
+            </a:r>
+            <a:r>
+              <a:rPr lang="en-US" dirty="0"/>
+              <a:t> not available from VS</a:t>
+            </a:r>
+          </a:p>
+          <a:p>
+            <a:pPr marL="171450" indent="-171450">
+              <a:buFontTx/>
+              <a:buChar char="-"/>
+            </a:pPr>
+            <a:r>
+              <a:rPr lang="en-US" dirty="0"/>
+              <a:t>dotnet new react -au Individual</a:t>
+            </a:r>
+          </a:p>
+          <a:p>
+            <a:pPr marL="171450" indent="-171450">
+              <a:buFontTx/>
+              <a:buChar char="-"/>
+            </a:pPr>
+            <a:r>
+              <a:rPr lang="en-US" dirty="0"/>
+              <a:t>Angular template has at least one problem</a:t>
+            </a:r>
+            <a:endParaRPr lang="en-US" baseline="0" dirty="0"/>
+          </a:p>
+          <a:p>
+            <a:pPr marL="171450" indent="-171450">
+              <a:buFontTx/>
+              <a:buChar char="-"/>
+            </a:pPr>
+            <a:r>
+              <a:rPr lang="en-US" baseline="0" dirty="0"/>
+              <a:t>React has </a:t>
+            </a:r>
+            <a:r>
+              <a:rPr lang="en-US" baseline="0"/>
+              <a:t>multiple issues</a:t>
             </a:r>
             <a:endParaRPr lang="en-US" dirty="0"/>
           </a:p>
@@ -1615,7 +1695,7 @@
           <a:p>
             <a:fld id="{C8DA2B22-DD6B-46CA-A93F-FA5BD501CEA0}" type="slidenum">
               <a:rPr lang="en-US" smtClean="0"/>
-              <a:t>34</a:t>
+              <a:t>27</a:t>
             </a:fld>
             <a:endParaRPr lang="en-US"/>
           </a:p>
@@ -1624,7 +1704,7 @@
     </p:spTree>
     <p:extLst>
       <p:ext uri="{BB962C8B-B14F-4D97-AF65-F5344CB8AC3E}">
-        <p14:creationId xmlns:p14="http://schemas.microsoft.com/office/powerpoint/2010/main" val="3765836966"/>
+        <p14:creationId xmlns:p14="http://schemas.microsoft.com/office/powerpoint/2010/main" val="1500621942"/>
       </p:ext>
     </p:extLst>
   </p:cSld>
@@ -1678,6 +1758,306 @@
           <a:bodyPr/>
           <a:lstStyle/>
           <a:p>
+            <a:r>
+              <a:rPr lang="en-US" sz="900" b="0" i="0" kern="1200" dirty="0">
+                <a:solidFill>
+                  <a:schemeClr val="tx1"/>
+                </a:solidFill>
+                <a:effectLst/>
+                <a:latin typeface="Segoe UI Light" pitchFamily="34" charset="0"/>
+                <a:ea typeface="+mn-ea"/>
+                <a:cs typeface="+mn-cs"/>
+              </a:rPr>
+              <a:t>docker run --rm mcr.microsoft.com/dotnet/core/sdk:3.0 </a:t>
+            </a:r>
+            <a:r>
+              <a:rPr lang="en-US" sz="900" b="0" i="0" kern="1200" dirty="0" err="1">
+                <a:solidFill>
+                  <a:schemeClr val="tx1"/>
+                </a:solidFill>
+                <a:effectLst/>
+                <a:latin typeface="Segoe UI Light" pitchFamily="34" charset="0"/>
+                <a:ea typeface="+mn-ea"/>
+                <a:cs typeface="+mn-cs"/>
+              </a:rPr>
+              <a:t>pwsh</a:t>
+            </a:r>
+            <a:r>
+              <a:rPr lang="en-US" sz="900" b="0" i="0" kern="1200" dirty="0">
+                <a:solidFill>
+                  <a:schemeClr val="tx1"/>
+                </a:solidFill>
+                <a:effectLst/>
+                <a:latin typeface="Segoe UI Light" pitchFamily="34" charset="0"/>
+                <a:ea typeface="+mn-ea"/>
+                <a:cs typeface="+mn-cs"/>
+              </a:rPr>
+              <a:t> -c Write-Host "Hello </a:t>
+            </a:r>
+            <a:r>
+              <a:rPr lang="en-US" sz="900" b="0" i="0" kern="1200" dirty="0" err="1">
+                <a:solidFill>
+                  <a:schemeClr val="tx1"/>
+                </a:solidFill>
+                <a:effectLst/>
+                <a:latin typeface="Segoe UI Light" pitchFamily="34" charset="0"/>
+                <a:ea typeface="+mn-ea"/>
+                <a:cs typeface="+mn-cs"/>
+              </a:rPr>
+              <a:t>Powershell</a:t>
+            </a:r>
+            <a:r>
+              <a:rPr lang="en-US" sz="900" b="0" i="0" kern="1200" dirty="0">
+                <a:solidFill>
+                  <a:schemeClr val="tx1"/>
+                </a:solidFill>
+                <a:effectLst/>
+                <a:latin typeface="Segoe UI Light" pitchFamily="34" charset="0"/>
+                <a:ea typeface="+mn-ea"/>
+                <a:cs typeface="+mn-cs"/>
+              </a:rPr>
+              <a:t>“</a:t>
+            </a:r>
+          </a:p>
+          <a:p>
+            <a:endParaRPr lang="en-US" sz="900" b="0" i="0" kern="1200">
+              <a:solidFill>
+                <a:schemeClr val="tx1"/>
+              </a:solidFill>
+              <a:effectLst/>
+              <a:latin typeface="Segoe UI Light" pitchFamily="34" charset="0"/>
+              <a:ea typeface="+mn-ea"/>
+              <a:cs typeface="+mn-cs"/>
+            </a:endParaRPr>
+          </a:p>
+          <a:p>
+            <a:pPr marL="0" marR="0" lvl="0" indent="0" algn="l" defTabSz="932742" rtl="0" eaLnBrk="1" fontAlgn="auto" latinLnBrk="0" hangingPunct="1">
+              <a:lnSpc>
+                <a:spcPct val="90000"/>
+              </a:lnSpc>
+              <a:spcBef>
+                <a:spcPts val="0"/>
+              </a:spcBef>
+              <a:spcAft>
+                <a:spcPts val="340"/>
+              </a:spcAft>
+              <a:buClrTx/>
+              <a:buSzTx/>
+              <a:buFontTx/>
+              <a:buNone/>
+              <a:tabLst/>
+              <a:defRPr/>
+            </a:pPr>
+            <a:br>
+              <a:rPr lang="en-US" sz="900" kern="1200">
+                <a:solidFill>
+                  <a:schemeClr val="tx1"/>
+                </a:solidFill>
+                <a:effectLst/>
+                <a:latin typeface="Segoe UI Light" pitchFamily="34" charset="0"/>
+                <a:ea typeface="+mn-ea"/>
+                <a:cs typeface="+mn-cs"/>
+              </a:rPr>
+            </a:br>
+            <a:r>
+              <a:rPr lang="en-US" sz="900" kern="1200">
+                <a:solidFill>
+                  <a:schemeClr val="tx1"/>
+                </a:solidFill>
+                <a:effectLst/>
+                <a:latin typeface="Segoe UI Light" pitchFamily="34" charset="0"/>
+                <a:ea typeface="+mn-ea"/>
+                <a:cs typeface="+mn-cs"/>
+              </a:rPr>
+              <a:t>mcr.microsoft.com/dotnet/core/sdk:3.0</a:t>
+            </a:r>
+          </a:p>
+          <a:p>
+            <a:endParaRPr lang="en-US" dirty="0"/>
+          </a:p>
+        </p:txBody>
+      </p:sp>
+      <p:sp>
+        <p:nvSpPr>
+          <p:cNvPr id="4" name="Header Placeholder 3"/>
+          <p:cNvSpPr>
+            <a:spLocks noGrp="1"/>
+          </p:cNvSpPr>
+          <p:nvPr>
+            <p:ph type="hdr" sz="quarter"/>
+          </p:nvPr>
+        </p:nvSpPr>
+        <p:spPr/>
+        <p:txBody>
+          <a:bodyPr/>
+          <a:lstStyle/>
+          <a:p>
+            <a:r>
+              <a:rPr lang="en-US"/>
+              <a:t>Microsoft Build 2017</a:t>
+            </a:r>
+            <a:endParaRPr lang="en-US" dirty="0"/>
+          </a:p>
+        </p:txBody>
+      </p:sp>
+      <p:sp>
+        <p:nvSpPr>
+          <p:cNvPr id="5" name="Footer Placeholder 4"/>
+          <p:cNvSpPr>
+            <a:spLocks noGrp="1"/>
+          </p:cNvSpPr>
+          <p:nvPr>
+            <p:ph type="ftr" sz="quarter" idx="4"/>
+          </p:nvPr>
+        </p:nvSpPr>
+        <p:spPr/>
+        <p:txBody>
+          <a:bodyPr/>
+          <a:lstStyle/>
+          <a:p>
+            <a:pPr defTabSz="914099" eaLnBrk="0" hangingPunct="0"/>
+            <a:r>
+              <a:rPr lang="en-US" sz="400">
+                <a:gradFill>
+                  <a:gsLst>
+                    <a:gs pos="0">
+                      <a:prstClr val="black"/>
+                    </a:gs>
+                    <a:gs pos="100000">
+                      <a:prstClr val="black"/>
+                    </a:gs>
+                  </a:gsLst>
+                  <a:lin ang="5400000" scaled="0"/>
+                </a:gradFill>
+                <a:latin typeface="Segoe UI" pitchFamily="34" charset="0"/>
+                <a:ea typeface="Segoe UI" pitchFamily="34" charset="0"/>
+                <a:cs typeface="Segoe UI" pitchFamily="34" charset="0"/>
+              </a:rPr>
+              <a:t>© Microsoft Corporation. All rights reserved. MICROSOFT MAKES NO WARRANTIES, EXPRESS, IMPLIED OR STATUTORY, AS TO THE INFORMATION IN THIS PRESENTATION.</a:t>
+            </a:r>
+            <a:endParaRPr lang="en-US" sz="400" dirty="0">
+              <a:gradFill>
+                <a:gsLst>
+                  <a:gs pos="0">
+                    <a:prstClr val="black"/>
+                  </a:gs>
+                  <a:gs pos="100000">
+                    <a:prstClr val="black"/>
+                  </a:gs>
+                </a:gsLst>
+                <a:lin ang="5400000" scaled="0"/>
+              </a:gradFill>
+              <a:latin typeface="Segoe UI" pitchFamily="34" charset="0"/>
+              <a:ea typeface="Segoe UI" pitchFamily="34" charset="0"/>
+              <a:cs typeface="Segoe UI" pitchFamily="34" charset="0"/>
+            </a:endParaRPr>
+          </a:p>
+        </p:txBody>
+      </p:sp>
+      <p:sp>
+        <p:nvSpPr>
+          <p:cNvPr id="6" name="Date Placeholder 5"/>
+          <p:cNvSpPr>
+            <a:spLocks noGrp="1"/>
+          </p:cNvSpPr>
+          <p:nvPr>
+            <p:ph type="dt" idx="1"/>
+          </p:nvPr>
+        </p:nvSpPr>
+        <p:spPr/>
+        <p:txBody>
+          <a:bodyPr/>
+          <a:lstStyle/>
+          <a:p>
+            <a:fld id="{D18B56EA-E28F-4F92-9F16-7A6F2501B303}" type="datetime8">
+              <a:rPr lang="en-US" smtClean="0"/>
+              <a:t>5/21/2019 10:44 AM</a:t>
+            </a:fld>
+            <a:endParaRPr lang="en-US" dirty="0"/>
+          </a:p>
+        </p:txBody>
+      </p:sp>
+      <p:sp>
+        <p:nvSpPr>
+          <p:cNvPr id="7" name="Slide Number Placeholder 6"/>
+          <p:cNvSpPr>
+            <a:spLocks noGrp="1"/>
+          </p:cNvSpPr>
+          <p:nvPr>
+            <p:ph type="sldNum" sz="quarter" idx="5"/>
+          </p:nvPr>
+        </p:nvSpPr>
+        <p:spPr/>
+        <p:txBody>
+          <a:bodyPr/>
+          <a:lstStyle/>
+          <a:p>
+            <a:fld id="{B4008EB6-D09E-4580-8CD6-DDB14511944F}" type="slidenum">
+              <a:rPr lang="en-US" smtClean="0"/>
+              <a:pPr/>
+              <a:t>32</a:t>
+            </a:fld>
+            <a:endParaRPr lang="en-US" dirty="0"/>
+          </a:p>
+        </p:txBody>
+      </p:sp>
+    </p:spTree>
+    <p:extLst>
+      <p:ext uri="{BB962C8B-B14F-4D97-AF65-F5344CB8AC3E}">
+        <p14:creationId xmlns:p14="http://schemas.microsoft.com/office/powerpoint/2010/main" val="919310128"/>
+      </p:ext>
+    </p:extLst>
+  </p:cSld>
+  <p:clrMapOvr>
+    <a:masterClrMapping/>
+  </p:clrMapOvr>
+</p:notes>
+</file>
+
+<file path=ppt/notesSlides/notesSlide15.xml><?xml version="1.0" encoding="utf-8"?>
+<p:notes xmlns:a="http://schemas.openxmlformats.org/drawingml/2006/main" xmlns:r="http://schemas.openxmlformats.org/officeDocument/2006/relationships" xmlns:p="http://schemas.openxmlformats.org/presentationml/2006/main">
+  <p:cSld>
+    <p:spTree>
+      <p:nvGrpSpPr>
+        <p:cNvPr id="1" name=""/>
+        <p:cNvGrpSpPr/>
+        <p:nvPr/>
+      </p:nvGrpSpPr>
+      <p:grpSpPr>
+        <a:xfrm>
+          <a:off x="0" y="0"/>
+          <a:ext cx="0" cy="0"/>
+          <a:chOff x="0" y="0"/>
+          <a:chExt cx="0" cy="0"/>
+        </a:xfrm>
+      </p:grpSpPr>
+      <p:sp>
+        <p:nvSpPr>
+          <p:cNvPr id="2" name="Slide Image Placeholder 1"/>
+          <p:cNvSpPr>
+            <a:spLocks noGrp="1" noRot="1" noChangeAspect="1"/>
+          </p:cNvSpPr>
+          <p:nvPr>
+            <p:ph type="sldImg"/>
+          </p:nvPr>
+        </p:nvSpPr>
+        <p:spPr/>
+      </p:sp>
+      <p:sp>
+        <p:nvSpPr>
+          <p:cNvPr id="3" name="Notes Placeholder 2"/>
+          <p:cNvSpPr>
+            <a:spLocks noGrp="1"/>
+          </p:cNvSpPr>
+          <p:nvPr>
+            <p:ph type="body" idx="1"/>
+          </p:nvPr>
+        </p:nvSpPr>
+        <p:spPr/>
+        <p:txBody>
+          <a:bodyPr/>
+          <a:lstStyle/>
+          <a:p>
             <a:endParaRPr lang="en-US" dirty="0"/>
           </a:p>
         </p:txBody>
@@ -1699,7 +2079,179 @@
           <a:p>
             <a:fld id="{C8DA2B22-DD6B-46CA-A93F-FA5BD501CEA0}" type="slidenum">
               <a:rPr lang="en-US" smtClean="0"/>
+              <a:t>34</a:t>
+            </a:fld>
+            <a:endParaRPr lang="en-US"/>
+          </a:p>
+        </p:txBody>
+      </p:sp>
+    </p:spTree>
+    <p:extLst>
+      <p:ext uri="{BB962C8B-B14F-4D97-AF65-F5344CB8AC3E}">
+        <p14:creationId xmlns:p14="http://schemas.microsoft.com/office/powerpoint/2010/main" val="3493641338"/>
+      </p:ext>
+    </p:extLst>
+  </p:cSld>
+  <p:clrMapOvr>
+    <a:masterClrMapping/>
+  </p:clrMapOvr>
+</p:notes>
+</file>
+
+<file path=ppt/notesSlides/notesSlide16.xml><?xml version="1.0" encoding="utf-8"?>
+<p:notes xmlns:a="http://schemas.openxmlformats.org/drawingml/2006/main" xmlns:r="http://schemas.openxmlformats.org/officeDocument/2006/relationships" xmlns:p="http://schemas.openxmlformats.org/presentationml/2006/main">
+  <p:cSld>
+    <p:spTree>
+      <p:nvGrpSpPr>
+        <p:cNvPr id="1" name=""/>
+        <p:cNvGrpSpPr/>
+        <p:nvPr/>
+      </p:nvGrpSpPr>
+      <p:grpSpPr>
+        <a:xfrm>
+          <a:off x="0" y="0"/>
+          <a:ext cx="0" cy="0"/>
+          <a:chOff x="0" y="0"/>
+          <a:chExt cx="0" cy="0"/>
+        </a:xfrm>
+      </p:grpSpPr>
+      <p:sp>
+        <p:nvSpPr>
+          <p:cNvPr id="2" name="Slide Image Placeholder 1"/>
+          <p:cNvSpPr>
+            <a:spLocks noGrp="1" noRot="1" noChangeAspect="1"/>
+          </p:cNvSpPr>
+          <p:nvPr>
+            <p:ph type="sldImg"/>
+          </p:nvPr>
+        </p:nvSpPr>
+        <p:spPr/>
+      </p:sp>
+      <p:sp>
+        <p:nvSpPr>
+          <p:cNvPr id="3" name="Notes Placeholder 2"/>
+          <p:cNvSpPr>
+            <a:spLocks noGrp="1"/>
+          </p:cNvSpPr>
+          <p:nvPr>
+            <p:ph type="body" idx="1"/>
+          </p:nvPr>
+        </p:nvSpPr>
+        <p:spPr/>
+        <p:txBody>
+          <a:bodyPr/>
+          <a:lstStyle/>
+          <a:p>
+            <a:r>
+              <a:rPr lang="sr-Latn-BA" dirty="0"/>
+              <a:t>Current perfornance with ASP.NET Core 2.2</a:t>
+            </a:r>
+            <a:endParaRPr lang="en-US" dirty="0"/>
+          </a:p>
+        </p:txBody>
+      </p:sp>
+      <p:sp>
+        <p:nvSpPr>
+          <p:cNvPr id="4" name="Slide Number Placeholder 3"/>
+          <p:cNvSpPr>
+            <a:spLocks noGrp="1"/>
+          </p:cNvSpPr>
+          <p:nvPr>
+            <p:ph type="sldNum" sz="quarter" idx="10"/>
+          </p:nvPr>
+        </p:nvSpPr>
+        <p:spPr/>
+        <p:txBody>
+          <a:bodyPr/>
+          <a:lstStyle/>
+          <a:p>
+            <a:fld id="{C8DA2B22-DD6B-46CA-A93F-FA5BD501CEA0}" type="slidenum">
+              <a:rPr lang="en-US" smtClean="0"/>
               <a:t>35</a:t>
+            </a:fld>
+            <a:endParaRPr lang="en-US"/>
+          </a:p>
+        </p:txBody>
+      </p:sp>
+    </p:spTree>
+    <p:extLst>
+      <p:ext uri="{BB962C8B-B14F-4D97-AF65-F5344CB8AC3E}">
+        <p14:creationId xmlns:p14="http://schemas.microsoft.com/office/powerpoint/2010/main" val="3765836966"/>
+      </p:ext>
+    </p:extLst>
+  </p:cSld>
+  <p:clrMapOvr>
+    <a:masterClrMapping/>
+  </p:clrMapOvr>
+</p:notes>
+</file>
+
+<file path=ppt/notesSlides/notesSlide17.xml><?xml version="1.0" encoding="utf-8"?>
+<p:notes xmlns:a="http://schemas.openxmlformats.org/drawingml/2006/main" xmlns:r="http://schemas.openxmlformats.org/officeDocument/2006/relationships" xmlns:p="http://schemas.openxmlformats.org/presentationml/2006/main">
+  <p:cSld>
+    <p:spTree>
+      <p:nvGrpSpPr>
+        <p:cNvPr id="1" name=""/>
+        <p:cNvGrpSpPr/>
+        <p:nvPr/>
+      </p:nvGrpSpPr>
+      <p:grpSpPr>
+        <a:xfrm>
+          <a:off x="0" y="0"/>
+          <a:ext cx="0" cy="0"/>
+          <a:chOff x="0" y="0"/>
+          <a:chExt cx="0" cy="0"/>
+        </a:xfrm>
+      </p:grpSpPr>
+      <p:sp>
+        <p:nvSpPr>
+          <p:cNvPr id="2" name="Slide Image Placeholder 1"/>
+          <p:cNvSpPr>
+            <a:spLocks noGrp="1" noRot="1" noChangeAspect="1"/>
+          </p:cNvSpPr>
+          <p:nvPr>
+            <p:ph type="sldImg"/>
+          </p:nvPr>
+        </p:nvSpPr>
+        <p:spPr/>
+      </p:sp>
+      <p:sp>
+        <p:nvSpPr>
+          <p:cNvPr id="3" name="Notes Placeholder 2"/>
+          <p:cNvSpPr>
+            <a:spLocks noGrp="1"/>
+          </p:cNvSpPr>
+          <p:nvPr>
+            <p:ph type="body" idx="1"/>
+          </p:nvPr>
+        </p:nvSpPr>
+        <p:spPr/>
+        <p:txBody>
+          <a:bodyPr/>
+          <a:lstStyle/>
+          <a:p>
+            <a:endParaRPr lang="en-US" dirty="0"/>
+          </a:p>
+        </p:txBody>
+      </p:sp>
+      <p:sp>
+        <p:nvSpPr>
+          <p:cNvPr id="4" name="Slide Number Placeholder 3"/>
+          <p:cNvSpPr>
+            <a:spLocks noGrp="1"/>
+          </p:cNvSpPr>
+          <p:nvPr>
+            <p:ph type="sldNum" sz="quarter" idx="10"/>
+          </p:nvPr>
+        </p:nvSpPr>
+        <p:spPr/>
+        <p:txBody>
+          <a:bodyPr/>
+          <a:lstStyle/>
+          <a:p>
+            <a:fld id="{C8DA2B22-DD6B-46CA-A93F-FA5BD501CEA0}" type="slidenum">
+              <a:rPr lang="en-US" smtClean="0"/>
+              <a:t>36</a:t>
             </a:fld>
             <a:endParaRPr lang="en-US"/>
           </a:p>
@@ -1718,7 +2270,7 @@
 </p:notes>
 </file>
 
-<file path=ppt/notesSlides/notesSlide15.xml><?xml version="1.0" encoding="utf-8"?>
+<file path=ppt/notesSlides/notesSlide18.xml><?xml version="1.0" encoding="utf-8"?>
 <p:notes xmlns:a="http://schemas.openxmlformats.org/drawingml/2006/main" xmlns:r="http://schemas.openxmlformats.org/officeDocument/2006/relationships" xmlns:p="http://schemas.openxmlformats.org/presentationml/2006/main">
   <p:cSld>
     <p:spTree>
@@ -2022,7 +2574,7 @@
                 <a:tabLst/>
                 <a:defRPr/>
               </a:pPr>
-              <a:t>39</a:t>
+              <a:t>40</a:t>
             </a:fld>
             <a:endParaRPr kumimoji="0" lang="en-US" sz="1200" b="0" i="0" u="none" strike="noStrike" kern="1200" cap="none" spc="0" normalizeH="0" baseline="0" noProof="0" dirty="0">
               <a:ln>
@@ -2725,131 +3277,18 @@
           <a:bodyPr/>
           <a:lstStyle/>
           <a:p>
-            <a:pPr marL="171450" indent="-171450">
-              <a:buFontTx/>
-              <a:buChar char="-"/>
-            </a:pPr>
-            <a:r>
-              <a:rPr lang="sr-Latn-BA" dirty="0"/>
-              <a:t>Span&lt;T&gt;</a:t>
-            </a:r>
-            <a:r>
-              <a:rPr lang="sr-Latn-BA" baseline="0" dirty="0"/>
-              <a:t> added in .NET Core 2.1</a:t>
-            </a:r>
-          </a:p>
-          <a:p>
-            <a:pPr marL="171450" indent="-171450">
-              <a:buFontTx/>
-              <a:buChar char="-"/>
-            </a:pPr>
-            <a:endParaRPr lang="en-US" dirty="0"/>
-          </a:p>
-          <a:p>
-            <a:r>
-              <a:rPr lang="en-US" sz="900" b="1" i="0" kern="1200" dirty="0">
-                <a:solidFill>
-                  <a:schemeClr val="tx1"/>
-                </a:solidFill>
-                <a:effectLst/>
-                <a:latin typeface="Segoe UI Light" pitchFamily="34" charset="0"/>
-                <a:ea typeface="+mn-ea"/>
-                <a:cs typeface="+mn-cs"/>
-              </a:rPr>
-              <a:t>What does this mean for </a:t>
-            </a:r>
-            <a:r>
-              <a:rPr lang="en-US" sz="900" b="1" i="0" kern="1200" dirty="0" err="1">
-                <a:solidFill>
-                  <a:schemeClr val="tx1"/>
-                </a:solidFill>
-                <a:effectLst/>
-                <a:latin typeface="Segoe UI Light" pitchFamily="34" charset="0"/>
-                <a:ea typeface="+mn-ea"/>
-                <a:cs typeface="+mn-cs"/>
-              </a:rPr>
-              <a:t>System.Data.SqlClient</a:t>
-            </a:r>
-            <a:r>
-              <a:rPr lang="en-US" sz="900" b="1" i="0" kern="1200" dirty="0">
-                <a:solidFill>
-                  <a:schemeClr val="tx1"/>
-                </a:solidFill>
-                <a:effectLst/>
-                <a:latin typeface="Segoe UI Light" pitchFamily="34" charset="0"/>
-                <a:ea typeface="+mn-ea"/>
-                <a:cs typeface="+mn-cs"/>
-              </a:rPr>
-              <a:t>?</a:t>
-            </a:r>
-          </a:p>
-          <a:p>
-            <a:r>
-              <a:rPr lang="en-US" sz="900" b="0" i="0" kern="1200" dirty="0" err="1">
-                <a:solidFill>
-                  <a:schemeClr val="tx1"/>
-                </a:solidFill>
-                <a:effectLst/>
-                <a:latin typeface="Segoe UI Light" pitchFamily="34" charset="0"/>
-                <a:ea typeface="+mn-ea"/>
-                <a:cs typeface="+mn-cs"/>
-              </a:rPr>
-              <a:t>System.Data.SqlClient</a:t>
-            </a:r>
-            <a:r>
-              <a:rPr lang="en-US" sz="900" b="0" i="0" kern="1200" dirty="0">
-                <a:solidFill>
-                  <a:schemeClr val="tx1"/>
-                </a:solidFill>
-                <a:effectLst/>
-                <a:latin typeface="Segoe UI Light" pitchFamily="34" charset="0"/>
-                <a:ea typeface="+mn-ea"/>
-                <a:cs typeface="+mn-cs"/>
-              </a:rPr>
-              <a:t> will still be supported and receive important security updates, so there is no need to move if your application works well with it. But if you want to take advantage of any new features, you should consider upgrading to </a:t>
-            </a:r>
-            <a:r>
-              <a:rPr lang="en-US" sz="900" b="0" i="0" kern="1200" dirty="0" err="1">
-                <a:solidFill>
-                  <a:schemeClr val="tx1"/>
-                </a:solidFill>
-                <a:effectLst/>
-                <a:latin typeface="Segoe UI Light" pitchFamily="34" charset="0"/>
-                <a:ea typeface="+mn-ea"/>
-                <a:cs typeface="+mn-cs"/>
-              </a:rPr>
-              <a:t>Microsoft.Data.SqlClient</a:t>
-            </a:r>
-            <a:r>
-              <a:rPr lang="en-US" sz="900" b="0" i="0" kern="1200" dirty="0">
-                <a:solidFill>
-                  <a:schemeClr val="tx1"/>
-                </a:solidFill>
-                <a:effectLst/>
-                <a:latin typeface="Segoe UI Light" pitchFamily="34" charset="0"/>
-                <a:ea typeface="+mn-ea"/>
-                <a:cs typeface="+mn-cs"/>
-              </a:rPr>
-              <a:t>.</a:t>
-            </a:r>
-          </a:p>
-          <a:p>
-            <a:pPr marL="171450" indent="-171450">
-              <a:buFontTx/>
-              <a:buChar char="-"/>
-            </a:pPr>
             <a:endParaRPr lang="en-US" dirty="0"/>
           </a:p>
         </p:txBody>
       </p:sp>
       <p:sp>
         <p:nvSpPr>
-          <p:cNvPr id="4" name="Slide Number Placeholder 3"/>
+          <p:cNvPr id="4" name="Header Placeholder 3"/>
           <p:cNvSpPr>
             <a:spLocks noGrp="1"/>
           </p:cNvSpPr>
           <p:nvPr>
-            <p:ph type="sldNum" sz="quarter" idx="10"/>
+            <p:ph type="hdr" sz="quarter"/>
           </p:nvPr>
         </p:nvSpPr>
         <p:spPr/>
@@ -2857,18 +3296,119 @@
           <a:bodyPr/>
           <a:lstStyle/>
           <a:p>
-            <a:fld id="{C8DA2B22-DD6B-46CA-A93F-FA5BD501CEA0}" type="slidenum">
+            <a:r>
+              <a:rPr lang="en-US"/>
+              <a:t>Microsoft Build 2017</a:t>
+            </a:r>
+            <a:endParaRPr lang="en-US" dirty="0"/>
+          </a:p>
+        </p:txBody>
+      </p:sp>
+      <p:sp>
+        <p:nvSpPr>
+          <p:cNvPr id="5" name="Footer Placeholder 4"/>
+          <p:cNvSpPr>
+            <a:spLocks noGrp="1"/>
+          </p:cNvSpPr>
+          <p:nvPr>
+            <p:ph type="ftr" sz="quarter" idx="4"/>
+          </p:nvPr>
+        </p:nvSpPr>
+        <p:spPr/>
+        <p:txBody>
+          <a:bodyPr/>
+          <a:lstStyle/>
+          <a:p>
+            <a:pPr defTabSz="914099" eaLnBrk="0" hangingPunct="0"/>
+            <a:r>
+              <a:rPr lang="en-US" sz="400">
+                <a:gradFill>
+                  <a:gsLst>
+                    <a:gs pos="0">
+                      <a:prstClr val="black"/>
+                    </a:gs>
+                    <a:gs pos="100000">
+                      <a:prstClr val="black"/>
+                    </a:gs>
+                  </a:gsLst>
+                  <a:lin ang="5400000" scaled="0"/>
+                </a:gradFill>
+                <a:latin typeface="Segoe UI" pitchFamily="34" charset="0"/>
+                <a:ea typeface="Segoe UI" pitchFamily="34" charset="0"/>
+                <a:cs typeface="Segoe UI" pitchFamily="34" charset="0"/>
+              </a:rPr>
+              <a:t>© Microsoft Corporation. All rights reserved. MICROSOFT MAKES NO WARRANTIES, EXPRESS, IMPLIED OR STATUTORY, AS TO THE INFORMATION IN THIS PRESENTATION.</a:t>
+            </a:r>
+            <a:endParaRPr lang="en-US" sz="400" dirty="0">
+              <a:gradFill>
+                <a:gsLst>
+                  <a:gs pos="0">
+                    <a:prstClr val="black"/>
+                  </a:gs>
+                  <a:gs pos="100000">
+                    <a:prstClr val="black"/>
+                  </a:gs>
+                </a:gsLst>
+                <a:lin ang="5400000" scaled="0"/>
+              </a:gradFill>
+              <a:latin typeface="Segoe UI" pitchFamily="34" charset="0"/>
+              <a:ea typeface="Segoe UI" pitchFamily="34" charset="0"/>
+              <a:cs typeface="Segoe UI" pitchFamily="34" charset="0"/>
+            </a:endParaRPr>
+          </a:p>
+        </p:txBody>
+      </p:sp>
+      <p:sp>
+        <p:nvSpPr>
+          <p:cNvPr id="6" name="Date Placeholder 5"/>
+          <p:cNvSpPr>
+            <a:spLocks noGrp="1"/>
+          </p:cNvSpPr>
+          <p:nvPr>
+            <p:ph type="dt" idx="1"/>
+          </p:nvPr>
+        </p:nvSpPr>
+        <p:spPr/>
+        <p:txBody>
+          <a:bodyPr/>
+          <a:lstStyle/>
+          <a:p>
+            <a:fld id="{D18B56EA-E28F-4F92-9F16-7A6F2501B303}" type="datetime8">
               <a:rPr lang="en-US" smtClean="0"/>
-              <a:t>9</a:t>
+              <a:t>5/21/2019 12:53 PM</a:t>
             </a:fld>
-            <a:endParaRPr lang="en-US"/>
+            <a:endParaRPr lang="en-US" dirty="0"/>
+          </a:p>
+        </p:txBody>
+      </p:sp>
+      <p:sp>
+        <p:nvSpPr>
+          <p:cNvPr id="7" name="Slide Number Placeholder 6"/>
+          <p:cNvSpPr>
+            <a:spLocks noGrp="1"/>
+          </p:cNvSpPr>
+          <p:nvPr>
+            <p:ph type="sldNum" sz="quarter" idx="5"/>
+          </p:nvPr>
+        </p:nvSpPr>
+        <p:spPr/>
+        <p:txBody>
+          <a:bodyPr/>
+          <a:lstStyle/>
+          <a:p>
+            <a:fld id="{B4008EB6-D09E-4580-8CD6-DDB14511944F}" type="slidenum">
+              <a:rPr lang="en-US" smtClean="0"/>
+              <a:pPr/>
+              <a:t>8</a:t>
+            </a:fld>
+            <a:endParaRPr lang="en-US" dirty="0"/>
           </a:p>
         </p:txBody>
       </p:sp>
     </p:spTree>
     <p:extLst>
       <p:ext uri="{BB962C8B-B14F-4D97-AF65-F5344CB8AC3E}">
-        <p14:creationId xmlns:p14="http://schemas.microsoft.com/office/powerpoint/2010/main" val="1771533240"/>
+        <p14:creationId xmlns:p14="http://schemas.microsoft.com/office/powerpoint/2010/main" val="3825320824"/>
       </p:ext>
     </p:extLst>
   </p:cSld>
@@ -2928,107 +3468,194 @@
             </a:pPr>
             <a:r>
               <a:rPr lang="sr-Latn-BA" dirty="0"/>
-              <a:t>Tiered</a:t>
-            </a:r>
-          </a:p>
-          <a:p>
-            <a:pPr marL="628650" lvl="1" indent="-171450">
-              <a:buFontTx/>
-              <a:buChar char="-"/>
-            </a:pPr>
-            <a:r>
-              <a:rPr lang="sr-Latn-BA" dirty="0"/>
-              <a:t>Optimize for both startup and throughput</a:t>
-            </a:r>
-          </a:p>
-          <a:p>
-            <a:pPr marL="628650" lvl="1" indent="-171450">
-              <a:buFontTx/>
-              <a:buChar char="-"/>
-            </a:pPr>
-            <a:r>
-              <a:rPr lang="sr-Latn-BA" dirty="0"/>
-              <a:t>Was opt-in,</a:t>
+              <a:t>Span&lt;T&gt;</a:t>
             </a:r>
             <a:r>
               <a:rPr lang="sr-Latn-BA" baseline="0" dirty="0"/>
-              <a:t> </a:t>
-            </a:r>
-            <a:r>
-              <a:rPr lang="sr-Latn-BA" dirty="0"/>
-              <a:t>under a switch in .NET Core 2.1 and 2.2</a:t>
-            </a:r>
+              <a:t> added in .NET </a:t>
+            </a:r>
+            <a:r>
+              <a:rPr lang="sr-Latn-BA" baseline="0"/>
+              <a:t>Core 2.1</a:t>
+            </a:r>
+            <a:endParaRPr lang="en-US" baseline="0"/>
           </a:p>
           <a:p>
             <a:pPr marL="171450" indent="-171450">
               <a:buFontTx/>
               <a:buChar char="-"/>
             </a:pPr>
-            <a:r>
-              <a:rPr lang="sr-Latn-BA" dirty="0"/>
-              <a:t>ARM64</a:t>
-            </a:r>
-            <a:r>
-              <a:rPr lang="sr-Latn-BA" baseline="0" dirty="0"/>
-              <a:t> </a:t>
-            </a:r>
-          </a:p>
-          <a:p>
-            <a:pPr marL="628650" lvl="1" indent="-171450">
+            <a:endParaRPr lang="en-US" baseline="0"/>
+          </a:p>
+          <a:p>
+            <a:pPr marL="171450" indent="-171450">
               <a:buFontTx/>
               <a:buChar char="-"/>
             </a:pPr>
             <a:r>
-              <a:rPr lang="sr-Latn-BA" baseline="0" dirty="0"/>
-              <a:t>Primary use case - IoT scenarios</a:t>
-            </a:r>
-          </a:p>
-          <a:p>
-            <a:pPr marL="628650" lvl="1" indent="-171450">
+              <a:rPr lang="en-US" sz="900" b="0" i="0" kern="1200">
+                <a:solidFill>
+                  <a:schemeClr val="tx1"/>
+                </a:solidFill>
+                <a:effectLst/>
+                <a:latin typeface="Segoe UI Light" pitchFamily="34" charset="0"/>
+                <a:ea typeface="+mn-ea"/>
+                <a:cs typeface="+mn-cs"/>
+              </a:rPr>
+              <a:t>Currently, ASP.NET developers have two compression methods available to use in their web applications: </a:t>
+            </a:r>
+            <a:r>
+              <a:rPr lang="en-US" sz="900" b="0" i="0" u="none" strike="noStrike" kern="1200">
+                <a:solidFill>
+                  <a:schemeClr val="tx1"/>
+                </a:solidFill>
+                <a:effectLst/>
+                <a:latin typeface="Segoe UI Light" pitchFamily="34" charset="0"/>
+                <a:ea typeface="+mn-ea"/>
+                <a:cs typeface="+mn-cs"/>
+                <a:hlinkClick r:id="rId3"/>
+              </a:rPr>
+              <a:t>Deflate</a:t>
+            </a:r>
+            <a:r>
+              <a:rPr lang="en-US" sz="900" b="0" i="0" kern="1200">
+                <a:solidFill>
+                  <a:schemeClr val="tx1"/>
+                </a:solidFill>
+                <a:effectLst/>
+                <a:latin typeface="Segoe UI Light" pitchFamily="34" charset="0"/>
+                <a:ea typeface="+mn-ea"/>
+                <a:cs typeface="+mn-cs"/>
+              </a:rPr>
+              <a:t> and </a:t>
+            </a:r>
+            <a:r>
+              <a:rPr lang="en-US" sz="900" b="0" i="0" u="none" strike="noStrike" kern="1200">
+                <a:solidFill>
+                  <a:schemeClr val="tx1"/>
+                </a:solidFill>
+                <a:effectLst/>
+                <a:latin typeface="Segoe UI Light" pitchFamily="34" charset="0"/>
+                <a:ea typeface="+mn-ea"/>
+                <a:cs typeface="+mn-cs"/>
+                <a:hlinkClick r:id="rId4"/>
+              </a:rPr>
+              <a:t>gzip</a:t>
+            </a:r>
+            <a:r>
+              <a:rPr lang="en-US" sz="900" b="0" i="0" kern="1200">
+                <a:solidFill>
+                  <a:schemeClr val="tx1"/>
+                </a:solidFill>
+                <a:effectLst/>
+                <a:latin typeface="Segoe UI Light" pitchFamily="34" charset="0"/>
+                <a:ea typeface="+mn-ea"/>
+                <a:cs typeface="+mn-cs"/>
+              </a:rPr>
+              <a:t>. But there is a trade off between compression time and size reduction. Different algorithms can perform quite differently. </a:t>
+            </a:r>
+          </a:p>
+          <a:p>
+            <a:pPr marL="171450" indent="-171450">
               <a:buFontTx/>
               <a:buChar char="-"/>
             </a:pPr>
             <a:r>
-              <a:rPr lang="sr-Latn-BA" dirty="0"/>
-              <a:t>.NET</a:t>
-            </a:r>
-            <a:r>
-              <a:rPr lang="sr-Latn-BA" baseline="0" dirty="0"/>
-              <a:t> Core 2.1 - added </a:t>
-            </a:r>
-            <a:r>
-              <a:rPr lang="sr-Latn-BA" dirty="0"/>
-              <a:t>ARM32 for Linux</a:t>
-            </a:r>
-          </a:p>
-          <a:p>
-            <a:pPr marL="628650" lvl="1" indent="-171450">
+              <a:rPr lang="en-US" sz="900" b="0" i="0" kern="1200">
+                <a:solidFill>
+                  <a:schemeClr val="tx1"/>
+                </a:solidFill>
+                <a:effectLst/>
+                <a:latin typeface="Segoe UI Light" pitchFamily="34" charset="0"/>
+                <a:ea typeface="+mn-ea"/>
+                <a:cs typeface="+mn-cs"/>
+              </a:rPr>
+              <a:t>In 2015, two engineers at Google designed a new compression algorithm called </a:t>
+            </a:r>
+            <a:r>
+              <a:rPr lang="en-US" sz="900" b="0" i="0" u="none" strike="noStrike" kern="1200">
+                <a:solidFill>
+                  <a:schemeClr val="tx1"/>
+                </a:solidFill>
+                <a:effectLst/>
+                <a:latin typeface="Segoe UI Light" pitchFamily="34" charset="0"/>
+                <a:ea typeface="+mn-ea"/>
+                <a:cs typeface="+mn-cs"/>
+                <a:hlinkClick r:id="rId5"/>
+              </a:rPr>
+              <a:t>Brotli</a:t>
+            </a:r>
+            <a:r>
+              <a:rPr lang="en-US" sz="900" b="0" i="0" kern="1200">
+                <a:solidFill>
+                  <a:schemeClr val="tx1"/>
+                </a:solidFill>
+                <a:effectLst/>
+                <a:latin typeface="Segoe UI Light" pitchFamily="34" charset="0"/>
+                <a:ea typeface="+mn-ea"/>
+                <a:cs typeface="+mn-cs"/>
+              </a:rPr>
+              <a:t> that can have a better compression without spending more time. </a:t>
+            </a:r>
+          </a:p>
+          <a:p>
+            <a:pPr marL="171450" indent="-171450">
               <a:buFontTx/>
               <a:buChar char="-"/>
             </a:pPr>
             <a:r>
-              <a:rPr lang="sr-Latn-BA" dirty="0"/>
-              <a:t>.NET Core</a:t>
-            </a:r>
-            <a:r>
-              <a:rPr lang="sr-Latn-BA" baseline="0" dirty="0"/>
-              <a:t> 2.2 - added ARM32 for Windows</a:t>
-            </a:r>
-            <a:endParaRPr lang="en-US" baseline="0" dirty="0"/>
-          </a:p>
-          <a:p>
-            <a:pPr marL="628650" lvl="1" indent="-171450">
+              <a:rPr lang="en-US" sz="900" b="0" i="0" kern="1200">
+                <a:solidFill>
+                  <a:schemeClr val="tx1"/>
+                </a:solidFill>
+                <a:effectLst/>
+                <a:latin typeface="Segoe UI Light" pitchFamily="34" charset="0"/>
+                <a:ea typeface="+mn-ea"/>
+                <a:cs typeface="+mn-cs"/>
+              </a:rPr>
+              <a:t>Brotli is already supported by the most browsers such as Google Chrome, Mozilla Firefox, Opera, and Microsoft Edge.</a:t>
+            </a:r>
+          </a:p>
+          <a:p>
+            <a:pPr marL="171450" indent="-171450">
               <a:buFontTx/>
               <a:buChar char="-"/>
             </a:pPr>
-            <a:endParaRPr lang="en-US" baseline="0" dirty="0"/>
-          </a:p>
-          <a:p>
-            <a:pPr marL="628650" lvl="1" indent="-171450">
+            <a:endParaRPr lang="en-US" sz="900" b="0" i="0" kern="1200" baseline="0">
+              <a:solidFill>
+                <a:schemeClr val="tx1"/>
+              </a:solidFill>
+              <a:effectLst/>
+              <a:latin typeface="Segoe UI Light" pitchFamily="34" charset="0"/>
+              <a:ea typeface="+mn-ea"/>
+              <a:cs typeface="+mn-cs"/>
+            </a:endParaRPr>
+          </a:p>
+          <a:p>
+            <a:pPr marL="171450" indent="-171450">
               <a:buFontTx/>
               <a:buChar char="-"/>
             </a:pPr>
-            <a:endParaRPr lang="en-US" baseline="0" dirty="0"/>
+            <a:r>
+              <a:rPr lang="en-US" sz="900" b="0" i="0" kern="1200">
+                <a:solidFill>
+                  <a:schemeClr val="tx1"/>
+                </a:solidFill>
+                <a:effectLst/>
+                <a:latin typeface="Segoe UI Light" pitchFamily="34" charset="0"/>
+                <a:ea typeface="+mn-ea"/>
+                <a:cs typeface="+mn-cs"/>
+              </a:rPr>
+              <a:t>HTTP/2 is a major revision of the HTTP protocol. Some of the notable features of HTTP/2 are support for header compression and fully multiplexed streams over a single connection. While HTTP/2 preserves HTTP’s semantics (HTTP headers, methods, etc) it's a breaking change from HTTP/1.x on how this data is framed and sent over the wire.</a:t>
+            </a:r>
+            <a:endParaRPr lang="sr-Latn-BA" baseline="0"/>
+          </a:p>
+          <a:p>
+            <a:pPr marL="171450" indent="-171450">
+              <a:buFontTx/>
+              <a:buChar char="-"/>
+            </a:pPr>
+            <a:endParaRPr lang="en-US" dirty="0"/>
           </a:p>
           <a:p>
             <a:r>
@@ -3041,10 +3668,46 @@
                 <a:ea typeface="+mn-ea"/>
                 <a:cs typeface="+mn-cs"/>
               </a:rPr>
-              <a:t>Publishing Single EXEs</a:t>
-            </a:r>
-          </a:p>
-          <a:p>
+              <a:t>What does this mean for </a:t>
+            </a:r>
+            <a:r>
+              <a:rPr lang="en-US" sz="900" b="1" i="0" kern="1200" dirty="0" err="1">
+                <a:solidFill>
+                  <a:schemeClr val="tx1"/>
+                </a:solidFill>
+                <a:effectLst/>
+                <a:latin typeface="Segoe UI Light" pitchFamily="34" charset="0"/>
+                <a:ea typeface="+mn-ea"/>
+                <a:cs typeface="+mn-cs"/>
+              </a:rPr>
+              <a:t>System.Data.SqlClient</a:t>
+            </a:r>
+            <a:r>
+              <a:rPr lang="en-US" sz="900" b="1" i="0" kern="1200" dirty="0">
+                <a:solidFill>
+                  <a:schemeClr val="tx1"/>
+                </a:solidFill>
+                <a:effectLst/>
+                <a:latin typeface="Segoe UI Light" pitchFamily="34" charset="0"/>
+                <a:ea typeface="+mn-ea"/>
+                <a:cs typeface="+mn-cs"/>
+              </a:rPr>
+              <a:t>?</a:t>
+            </a:r>
+          </a:p>
+          <a:p>
+            <a:r>
+              <a:rPr lang="en-US" sz="900" b="0" i="0" kern="1200" dirty="0" err="1">
+                <a:solidFill>
+                  <a:schemeClr val="tx1"/>
+                </a:solidFill>
+                <a:effectLst/>
+                <a:latin typeface="Segoe UI Light" pitchFamily="34" charset="0"/>
+                <a:ea typeface="+mn-ea"/>
+                <a:cs typeface="+mn-cs"/>
+              </a:rPr>
+              <a:t>System.Data.SqlClient</a:t>
+            </a:r>
             <a:r>
               <a:rPr lang="en-US" sz="900" b="0" i="0" kern="1200" dirty="0">
                 <a:solidFill>
@@ -3055,11 +3718,35 @@
                 <a:ea typeface="+mn-ea"/>
                 <a:cs typeface="+mn-cs"/>
               </a:rPr>
-              <a:t>You can now publish a single-file executable with dotnet publish. </a:t>
-            </a:r>
-          </a:p>
-          <a:p>
-            <a:pPr marL="628650" lvl="1" indent="-171450">
+              <a:t> will still be supported and receive important security updates, so there is no need to move if your application works well with it. But if you want to take advantage of any new features, you should consider upgrading to </a:t>
+            </a:r>
+            <a:r>
+              <a:rPr lang="en-US" sz="900" b="0" i="0" kern="1200" dirty="0" err="1">
+                <a:solidFill>
+                  <a:schemeClr val="tx1"/>
+                </a:solidFill>
+                <a:effectLst/>
+                <a:latin typeface="Segoe UI Light" pitchFamily="34" charset="0"/>
+                <a:ea typeface="+mn-ea"/>
+                <a:cs typeface="+mn-cs"/>
+              </a:rPr>
+              <a:t>Microsoft.Data.SqlClient</a:t>
+            </a:r>
+            <a:r>
+              <a:rPr lang="en-US" sz="900" b="0" i="0" kern="1200" dirty="0">
+                <a:solidFill>
+                  <a:schemeClr val="tx1"/>
+                </a:solidFill>
+                <a:effectLst/>
+                <a:latin typeface="Segoe UI Light" pitchFamily="34" charset="0"/>
+                <a:ea typeface="+mn-ea"/>
+                <a:cs typeface="+mn-cs"/>
+              </a:rPr>
+              <a:t>.</a:t>
+            </a:r>
+          </a:p>
+          <a:p>
+            <a:pPr marL="171450" indent="-171450">
               <a:buFontTx/>
               <a:buChar char="-"/>
             </a:pPr>
@@ -3084,7 +3771,7 @@
           <a:p>
             <a:fld id="{C8DA2B22-DD6B-46CA-A93F-FA5BD501CEA0}" type="slidenum">
               <a:rPr lang="en-US" smtClean="0"/>
-              <a:t>10</a:t>
+              <a:t>9</a:t>
             </a:fld>
             <a:endParaRPr lang="en-US"/>
           </a:p>
@@ -3093,7 +3780,7 @@
     </p:spTree>
     <p:extLst>
       <p:ext uri="{BB962C8B-B14F-4D97-AF65-F5344CB8AC3E}">
-        <p14:creationId xmlns:p14="http://schemas.microsoft.com/office/powerpoint/2010/main" val="2438622654"/>
+        <p14:creationId xmlns:p14="http://schemas.microsoft.com/office/powerpoint/2010/main" val="1771533240"/>
       </p:ext>
     </p:extLst>
   </p:cSld>
@@ -3153,7 +3840,35 @@
             </a:pPr>
             <a:r>
               <a:rPr lang="sr-Latn-BA" dirty="0"/>
-              <a:t>AssemblyDependencyResolver - for plugin scenarios, dynamically loaded assemblies</a:t>
+              <a:t>Tiered</a:t>
+            </a:r>
+          </a:p>
+          <a:p>
+            <a:pPr marL="628650" lvl="1" indent="-171450">
+              <a:buFontTx/>
+              <a:buChar char="-"/>
+            </a:pPr>
+            <a:r>
+              <a:rPr lang="sr-Latn-BA" dirty="0"/>
+              <a:t>Optimize for both startup and throughput</a:t>
+            </a:r>
+          </a:p>
+          <a:p>
+            <a:pPr marL="628650" lvl="1" indent="-171450">
+              <a:buFontTx/>
+              <a:buChar char="-"/>
+            </a:pPr>
+            <a:r>
+              <a:rPr lang="sr-Latn-BA" dirty="0"/>
+              <a:t>Was opt-in,</a:t>
+            </a:r>
+            <a:r>
+              <a:rPr lang="sr-Latn-BA" baseline="0" dirty="0"/>
+              <a:t> </a:t>
+            </a:r>
+            <a:r>
+              <a:rPr lang="sr-Latn-BA" dirty="0"/>
+              <a:t>under a switch in .NET Core 2.1 and 2.2</a:t>
             </a:r>
           </a:p>
           <a:p>
@@ -3162,18 +3877,12 @@
               <a:buChar char="-"/>
             </a:pPr>
             <a:r>
+              <a:rPr lang="sr-Latn-BA" dirty="0"/>
+              <a:t>ARM64</a:t>
+            </a:r>
+            <a:r>
               <a:rPr lang="sr-Latn-BA" baseline="0" dirty="0"/>
-              <a:t>Unloadability - for plugins, scripts, web sites</a:t>
-            </a:r>
-          </a:p>
-          <a:p>
-            <a:pPr marL="171450" indent="-171450">
-              <a:buFontTx/>
-              <a:buChar char="-"/>
-            </a:pPr>
-            <a:r>
-              <a:rPr lang="sr-Latn-BA" baseline="0" dirty="0"/>
-              <a:t>Windows Native</a:t>
+              <a:t> </a:t>
             </a:r>
           </a:p>
           <a:p>
@@ -3183,7 +3892,7 @@
             </a:pPr>
             <a:r>
               <a:rPr lang="sr-Latn-BA" baseline="0" dirty="0"/>
-              <a:t>P/Invoke since .NET Core 1.0</a:t>
+              <a:t>Primary use case - IoT scenarios</a:t>
             </a:r>
           </a:p>
           <a:p>
@@ -3192,28 +3901,16 @@
               <a:buChar char="-"/>
             </a:pPr>
             <a:r>
+              <a:rPr lang="sr-Latn-BA" dirty="0"/>
+              <a:t>.NET</a:t>
+            </a:r>
+            <a:r>
               <a:rPr lang="sr-Latn-BA" baseline="0" dirty="0"/>
-              <a:t>CoCreate COM APIs and Activate WinRT APIs in .NET Core 3.0</a:t>
-            </a:r>
-          </a:p>
-          <a:p>
-            <a:pPr marL="171450" indent="-171450">
-              <a:buFontTx/>
-              <a:buChar char="-"/>
-            </a:pPr>
-            <a:r>
-              <a:rPr lang="sr-Latn-BA" baseline="0" dirty="0"/>
-              <a:t>NativeLibrary APIs - multiplatform</a:t>
-            </a:r>
-          </a:p>
-          <a:p>
-            <a:pPr marL="171450" indent="-171450">
-              <a:buFontTx/>
-              <a:buChar char="-"/>
-            </a:pPr>
-            <a:r>
-              <a:rPr lang="sr-Latn-BA" baseline="0" dirty="0"/>
-              <a:t>Serial Port</a:t>
+              <a:t> Core 2.1 - added </a:t>
+            </a:r>
+            <a:r>
+              <a:rPr lang="sr-Latn-BA" dirty="0"/>
+              <a:t>ARM32 for Linux</a:t>
             </a:r>
           </a:p>
           <a:p>
@@ -3222,72 +3919,59 @@
               <a:buChar char="-"/>
             </a:pPr>
             <a:r>
+              <a:rPr lang="sr-Latn-BA" dirty="0"/>
+              <a:t>.NET Core</a:t>
+            </a:r>
+            <a:r>
               <a:rPr lang="sr-Latn-BA" baseline="0" dirty="0"/>
-              <a:t>Controlling Arduino with .NET using Raspberry Pi</a:t>
-            </a:r>
+              <a:t> 2.2 - added ARM32 for Windows</a:t>
+            </a:r>
+            <a:endParaRPr lang="en-US" baseline="0" dirty="0"/>
           </a:p>
           <a:p>
             <a:pPr marL="628650" lvl="1" indent="-171450">
               <a:buFontTx/>
               <a:buChar char="-"/>
             </a:pPr>
-            <a:r>
-              <a:rPr lang="sr-Latn-BA" baseline="0" dirty="0"/>
-              <a:t>Flash Arduino from Raspberry Pi</a:t>
-            </a:r>
-          </a:p>
-          <a:p>
-            <a:pPr marL="171450" lvl="0" indent="-171450">
-              <a:buFontTx/>
-              <a:buChar char="-"/>
-            </a:pPr>
-            <a:r>
-              <a:rPr lang="sr-Latn-BA" baseline="0" dirty="0"/>
-              <a:t>System.Devices.Gpio</a:t>
-            </a:r>
+            <a:endParaRPr lang="en-US" baseline="0" dirty="0"/>
           </a:p>
           <a:p>
             <a:pPr marL="628650" lvl="1" indent="-171450">
               <a:buFontTx/>
               <a:buChar char="-"/>
             </a:pPr>
-            <a:r>
-              <a:rPr lang="sr-Latn-BA" baseline="0" dirty="0"/>
-              <a:t>separate NuGet package</a:t>
+            <a:endParaRPr lang="en-US" baseline="0" dirty="0"/>
+          </a:p>
+          <a:p>
+            <a:r>
+              <a:rPr lang="en-US" sz="900" b="1" i="0" kern="1200" dirty="0">
+                <a:solidFill>
+                  <a:schemeClr val="tx1"/>
+                </a:solidFill>
+                <a:effectLst/>
+                <a:latin typeface="Segoe UI Light" pitchFamily="34" charset="0"/>
+                <a:ea typeface="+mn-ea"/>
+                <a:cs typeface="+mn-cs"/>
+              </a:rPr>
+              <a:t>Publishing Single EXEs</a:t>
+            </a:r>
+          </a:p>
+          <a:p>
+            <a:r>
+              <a:rPr lang="en-US" sz="900" b="0" i="0" kern="1200" dirty="0">
+                <a:solidFill>
+                  <a:schemeClr val="tx1"/>
+                </a:solidFill>
+                <a:effectLst/>
+                <a:latin typeface="Segoe UI Light" pitchFamily="34" charset="0"/>
+                <a:ea typeface="+mn-ea"/>
+                <a:cs typeface="+mn-cs"/>
+              </a:rPr>
+              <a:t>You can now publish a single-file executable with dotnet publish. </a:t>
             </a:r>
           </a:p>
           <a:p>
             <a:pPr marL="628650" lvl="1" indent="-171450">
-              <a:buFontTx/>
-              <a:buChar char="-"/>
-            </a:pPr>
-            <a:r>
-              <a:rPr lang="sr-Latn-BA" baseline="0" dirty="0"/>
-              <a:t>GPIO, PWM, SPI and I2C APIs</a:t>
-            </a:r>
-          </a:p>
-          <a:p>
-            <a:pPr marL="171450" lvl="0" indent="-171450">
-              <a:buFontTx/>
-              <a:buChar char="-"/>
-            </a:pPr>
-            <a:r>
-              <a:rPr lang="sr-Latn-BA" baseline="0" dirty="0"/>
-              <a:t>TLS 1.3 - Linux only, with OpenSSL lib... Windows and macOS support will be provieded by respective operating system in future</a:t>
-            </a:r>
-          </a:p>
-          <a:p>
-            <a:pPr marL="171450" lvl="0" indent="-171450">
-              <a:buFontTx/>
-              <a:buChar char="-"/>
-            </a:pPr>
-            <a:r>
-              <a:rPr lang="sr-Latn-BA" baseline="0" dirty="0"/>
-              <a:t>Crypthographic key import / export - various formats</a:t>
-            </a:r>
-          </a:p>
-          <a:p>
-            <a:pPr marL="171450" indent="-171450">
               <a:buFontTx/>
               <a:buChar char="-"/>
             </a:pPr>
@@ -3312,7 +3996,7 @@
           <a:p>
             <a:fld id="{C8DA2B22-DD6B-46CA-A93F-FA5BD501CEA0}" type="slidenum">
               <a:rPr lang="en-US" smtClean="0"/>
-              <a:t>11</a:t>
+              <a:t>10</a:t>
             </a:fld>
             <a:endParaRPr lang="en-US"/>
           </a:p>
@@ -3321,7 +4005,7 @@
     </p:spTree>
     <p:extLst>
       <p:ext uri="{BB962C8B-B14F-4D97-AF65-F5344CB8AC3E}">
-        <p14:creationId xmlns:p14="http://schemas.microsoft.com/office/powerpoint/2010/main" val="3708354359"/>
+        <p14:creationId xmlns:p14="http://schemas.microsoft.com/office/powerpoint/2010/main" val="2438622654"/>
       </p:ext>
     </p:extLst>
   </p:cSld>
@@ -3381,11 +4065,7 @@
             </a:pPr>
             <a:r>
               <a:rPr lang="sr-Latn-BA" dirty="0"/>
-              <a:t>Async streams</a:t>
-            </a:r>
-            <a:r>
-              <a:rPr lang="sr-Latn-BA" baseline="0" dirty="0"/>
-              <a:t> - with IAsyncEnumerable&lt;T&gt;</a:t>
+              <a:t>AssemblyDependencyResolver - for plugin scenarios, dynamically loaded assemblies</a:t>
             </a:r>
           </a:p>
           <a:p>
@@ -3395,10 +4075,134 @@
             </a:pPr>
             <a:r>
               <a:rPr lang="sr-Latn-BA" baseline="0" dirty="0"/>
-              <a:t>Floating point changes - alignment and fixes for platforms implementations</a:t>
-            </a:r>
-          </a:p>
-          <a:p>
+              <a:t>Unloadability - for plugins, scripts, web sites</a:t>
+            </a:r>
+          </a:p>
+          <a:p>
+            <a:pPr marL="171450" indent="-171450">
+              <a:buFontTx/>
+              <a:buChar char="-"/>
+            </a:pPr>
+            <a:r>
+              <a:rPr lang="sr-Latn-BA" baseline="0" dirty="0"/>
+              <a:t>Windows Native</a:t>
+            </a:r>
+          </a:p>
+          <a:p>
+            <a:pPr marL="628650" lvl="1" indent="-171450">
+              <a:buFontTx/>
+              <a:buChar char="-"/>
+            </a:pPr>
+            <a:r>
+              <a:rPr lang="sr-Latn-BA" baseline="0" dirty="0"/>
+              <a:t>P/Invoke since .NET Core 1.0</a:t>
+            </a:r>
+          </a:p>
+          <a:p>
+            <a:pPr marL="628650" lvl="1" indent="-171450">
+              <a:buFontTx/>
+              <a:buChar char="-"/>
+            </a:pPr>
+            <a:r>
+              <a:rPr lang="sr-Latn-BA" baseline="0" dirty="0"/>
+              <a:t>CoCreate COM APIs and Activate WinRT APIs in .NET Core 3.0</a:t>
+            </a:r>
+          </a:p>
+          <a:p>
+            <a:pPr marL="171450" indent="-171450">
+              <a:buFontTx/>
+              <a:buChar char="-"/>
+            </a:pPr>
+            <a:r>
+              <a:rPr lang="sr-Latn-BA" baseline="0" dirty="0"/>
+              <a:t>NativeLibrary APIs - multiplatform</a:t>
+            </a:r>
+          </a:p>
+          <a:p>
+            <a:pPr marL="171450" indent="-171450">
+              <a:buFontTx/>
+              <a:buChar char="-"/>
+            </a:pPr>
+            <a:r>
+              <a:rPr lang="sr-Latn-BA" baseline="0" dirty="0"/>
+              <a:t>Serial Port</a:t>
+            </a:r>
+          </a:p>
+          <a:p>
+            <a:pPr marL="628650" lvl="1" indent="-171450">
+              <a:buFontTx/>
+              <a:buChar char="-"/>
+            </a:pPr>
+            <a:r>
+              <a:rPr lang="sr-Latn-BA" baseline="0" dirty="0"/>
+              <a:t>Controlling Arduino with .NET using Raspberry Pi</a:t>
+            </a:r>
+          </a:p>
+          <a:p>
+            <a:pPr marL="628650" lvl="1" indent="-171450">
+              <a:buFontTx/>
+              <a:buChar char="-"/>
+            </a:pPr>
+            <a:r>
+              <a:rPr lang="sr-Latn-BA" baseline="0" dirty="0"/>
+              <a:t>Flash Arduino from Raspberry Pi</a:t>
+            </a:r>
+          </a:p>
+          <a:p>
+            <a:pPr marL="171450" lvl="0" indent="-171450">
+              <a:buFontTx/>
+              <a:buChar char="-"/>
+            </a:pPr>
+            <a:r>
+              <a:rPr lang="sr-Latn-BA" baseline="0" dirty="0"/>
+              <a:t>System.Devices.Gpio</a:t>
+            </a:r>
+          </a:p>
+          <a:p>
+            <a:pPr marL="628650" lvl="1" indent="-171450">
+              <a:buFontTx/>
+              <a:buChar char="-"/>
+            </a:pPr>
+            <a:r>
+              <a:rPr lang="sr-Latn-BA" baseline="0" dirty="0"/>
+              <a:t>separate NuGet package</a:t>
+            </a:r>
+          </a:p>
+          <a:p>
+            <a:pPr marL="628650" lvl="1" indent="-171450">
+              <a:buFontTx/>
+              <a:buChar char="-"/>
+            </a:pPr>
+            <a:r>
+              <a:rPr lang="sr-Latn-BA" baseline="0" dirty="0"/>
+              <a:t>GPIO, PWM, SPI and I2C APIs</a:t>
+            </a:r>
+          </a:p>
+          <a:p>
+            <a:pPr marL="171450" lvl="0" indent="-171450">
+              <a:buFontTx/>
+              <a:buChar char="-"/>
+            </a:pPr>
+            <a:r>
+              <a:rPr lang="sr-Latn-BA" baseline="0" dirty="0"/>
+              <a:t>TLS 1.3 - Linux only, with OpenSSL lib... Windows and macOS support will be provieded by respective operating system in future</a:t>
+            </a:r>
+          </a:p>
+          <a:p>
+            <a:pPr marL="171450" lvl="0" indent="-171450">
+              <a:buFontTx/>
+              <a:buChar char="-"/>
+            </a:pPr>
+            <a:r>
+              <a:rPr lang="sr-Latn-BA" baseline="0" dirty="0"/>
+              <a:t>Crypthographic key import / export - various formats</a:t>
+            </a:r>
+          </a:p>
+          <a:p>
+            <a:pPr marL="171450" indent="-171450">
+              <a:buFontTx/>
+              <a:buChar char="-"/>
+            </a:pPr>
             <a:endParaRPr lang="en-US" dirty="0"/>
           </a:p>
         </p:txBody>
@@ -3420,7 +4224,7 @@
           <a:p>
             <a:fld id="{C8DA2B22-DD6B-46CA-A93F-FA5BD501CEA0}" type="slidenum">
               <a:rPr lang="en-US" smtClean="0"/>
-              <a:t>14</a:t>
+              <a:t>11</a:t>
             </a:fld>
             <a:endParaRPr lang="en-US"/>
           </a:p>
@@ -3429,7 +4233,7 @@
     </p:spTree>
     <p:extLst>
       <p:ext uri="{BB962C8B-B14F-4D97-AF65-F5344CB8AC3E}">
-        <p14:creationId xmlns:p14="http://schemas.microsoft.com/office/powerpoint/2010/main" val="4014775632"/>
+        <p14:creationId xmlns:p14="http://schemas.microsoft.com/office/powerpoint/2010/main" val="3708354359"/>
       </p:ext>
     </p:extLst>
   </p:cSld>
@@ -3483,79 +4287,18 @@
           <a:bodyPr/>
           <a:lstStyle/>
           <a:p>
-            <a:pPr marL="171450" indent="-171450">
-              <a:buFontTx/>
-              <a:buChar char="-"/>
-            </a:pPr>
-            <a:r>
-              <a:rPr lang="sr-Latn-BA" dirty="0"/>
-              <a:t>Why Windows</a:t>
-            </a:r>
-            <a:r>
-              <a:rPr lang="sr-Latn-BA" baseline="0" dirty="0"/>
-              <a:t> Desktop on Core?</a:t>
-            </a:r>
-          </a:p>
-          <a:p>
-            <a:pPr marL="628650" lvl="1" indent="-171450">
-              <a:buFontTx/>
-              <a:buChar char="-"/>
-            </a:pPr>
-            <a:r>
-              <a:rPr lang="sr-Latn-BA" baseline="0" dirty="0"/>
-              <a:t>Performance</a:t>
-            </a:r>
-          </a:p>
-          <a:p>
-            <a:pPr marL="628650" lvl="1" indent="-171450">
-              <a:buFontTx/>
-              <a:buChar char="-"/>
-            </a:pPr>
-            <a:r>
-              <a:rPr lang="sr-Latn-BA" baseline="0" dirty="0"/>
-              <a:t>Side by side execution</a:t>
-            </a:r>
-          </a:p>
-          <a:p>
-            <a:pPr marL="628650" lvl="1" indent="-171450">
-              <a:buFontTx/>
-              <a:buChar char="-"/>
-            </a:pPr>
-            <a:r>
-              <a:rPr lang="sr-Latn-BA" baseline="0" dirty="0"/>
-              <a:t>Self-contained exe</a:t>
-            </a:r>
-          </a:p>
-          <a:p>
-            <a:pPr marL="628650" lvl="1" indent="-171450">
-              <a:buFontTx/>
-              <a:buChar char="-"/>
-            </a:pPr>
-            <a:r>
-              <a:rPr lang="sr-Latn-BA" baseline="0" dirty="0"/>
-              <a:t>BCL improvements</a:t>
-            </a:r>
-          </a:p>
-          <a:p>
-            <a:pPr marL="628650" lvl="1" indent="-171450">
-              <a:buFontTx/>
-              <a:buChar char="-"/>
-            </a:pPr>
-            <a:r>
-              <a:rPr lang="sr-Latn-BA" baseline="0" dirty="0"/>
-              <a:t>Open-source</a:t>
-            </a:r>
+            <a:endParaRPr lang="en-US" dirty="0"/>
           </a:p>
         </p:txBody>
       </p:sp>
       <p:sp>
         <p:nvSpPr>
-          <p:cNvPr id="4" name="Slide Number Placeholder 3"/>
+          <p:cNvPr id="4" name="Header Placeholder 3"/>
           <p:cNvSpPr>
             <a:spLocks noGrp="1"/>
           </p:cNvSpPr>
           <p:nvPr>
-            <p:ph type="sldNum" sz="quarter" idx="10"/>
+            <p:ph type="hdr" sz="quarter"/>
           </p:nvPr>
         </p:nvSpPr>
         <p:spPr/>
@@ -3563,18 +4306,119 @@
           <a:bodyPr/>
           <a:lstStyle/>
           <a:p>
-            <a:fld id="{C8DA2B22-DD6B-46CA-A93F-FA5BD501CEA0}" type="slidenum">
+            <a:r>
+              <a:rPr lang="en-US"/>
+              <a:t>Microsoft Build 2017</a:t>
+            </a:r>
+            <a:endParaRPr lang="en-US" dirty="0"/>
+          </a:p>
+        </p:txBody>
+      </p:sp>
+      <p:sp>
+        <p:nvSpPr>
+          <p:cNvPr id="5" name="Footer Placeholder 4"/>
+          <p:cNvSpPr>
+            <a:spLocks noGrp="1"/>
+          </p:cNvSpPr>
+          <p:nvPr>
+            <p:ph type="ftr" sz="quarter" idx="4"/>
+          </p:nvPr>
+        </p:nvSpPr>
+        <p:spPr/>
+        <p:txBody>
+          <a:bodyPr/>
+          <a:lstStyle/>
+          <a:p>
+            <a:pPr defTabSz="914099" eaLnBrk="0" hangingPunct="0"/>
+            <a:r>
+              <a:rPr lang="en-US" sz="400">
+                <a:gradFill>
+                  <a:gsLst>
+                    <a:gs pos="0">
+                      <a:prstClr val="black"/>
+                    </a:gs>
+                    <a:gs pos="100000">
+                      <a:prstClr val="black"/>
+                    </a:gs>
+                  </a:gsLst>
+                  <a:lin ang="5400000" scaled="0"/>
+                </a:gradFill>
+                <a:latin typeface="Segoe UI" pitchFamily="34" charset="0"/>
+                <a:ea typeface="Segoe UI" pitchFamily="34" charset="0"/>
+                <a:cs typeface="Segoe UI" pitchFamily="34" charset="0"/>
+              </a:rPr>
+              <a:t>© Microsoft Corporation. All rights reserved. MICROSOFT MAKES NO WARRANTIES, EXPRESS, IMPLIED OR STATUTORY, AS TO THE INFORMATION IN THIS PRESENTATION.</a:t>
+            </a:r>
+            <a:endParaRPr lang="en-US" sz="400" dirty="0">
+              <a:gradFill>
+                <a:gsLst>
+                  <a:gs pos="0">
+                    <a:prstClr val="black"/>
+                  </a:gs>
+                  <a:gs pos="100000">
+                    <a:prstClr val="black"/>
+                  </a:gs>
+                </a:gsLst>
+                <a:lin ang="5400000" scaled="0"/>
+              </a:gradFill>
+              <a:latin typeface="Segoe UI" pitchFamily="34" charset="0"/>
+              <a:ea typeface="Segoe UI" pitchFamily="34" charset="0"/>
+              <a:cs typeface="Segoe UI" pitchFamily="34" charset="0"/>
+            </a:endParaRPr>
+          </a:p>
+        </p:txBody>
+      </p:sp>
+      <p:sp>
+        <p:nvSpPr>
+          <p:cNvPr id="6" name="Date Placeholder 5"/>
+          <p:cNvSpPr>
+            <a:spLocks noGrp="1"/>
+          </p:cNvSpPr>
+          <p:nvPr>
+            <p:ph type="dt" idx="1"/>
+          </p:nvPr>
+        </p:nvSpPr>
+        <p:spPr/>
+        <p:txBody>
+          <a:bodyPr/>
+          <a:lstStyle/>
+          <a:p>
+            <a:fld id="{D18B56EA-E28F-4F92-9F16-7A6F2501B303}" type="datetime8">
               <a:rPr lang="en-US" smtClean="0"/>
-              <a:t>20</a:t>
+              <a:t>5/21/2019 10:38 AM</a:t>
             </a:fld>
-            <a:endParaRPr lang="en-US"/>
+            <a:endParaRPr lang="en-US" dirty="0"/>
+          </a:p>
+        </p:txBody>
+      </p:sp>
+      <p:sp>
+        <p:nvSpPr>
+          <p:cNvPr id="7" name="Slide Number Placeholder 6"/>
+          <p:cNvSpPr>
+            <a:spLocks noGrp="1"/>
+          </p:cNvSpPr>
+          <p:nvPr>
+            <p:ph type="sldNum" sz="quarter" idx="5"/>
+          </p:nvPr>
+        </p:nvSpPr>
+        <p:spPr/>
+        <p:txBody>
+          <a:bodyPr/>
+          <a:lstStyle/>
+          <a:p>
+            <a:fld id="{B4008EB6-D09E-4580-8CD6-DDB14511944F}" type="slidenum">
+              <a:rPr lang="en-US" smtClean="0"/>
+              <a:pPr/>
+              <a:t>13</a:t>
+            </a:fld>
+            <a:endParaRPr lang="en-US" dirty="0"/>
           </a:p>
         </p:txBody>
       </p:sp>
     </p:spTree>
     <p:extLst>
       <p:ext uri="{BB962C8B-B14F-4D97-AF65-F5344CB8AC3E}">
-        <p14:creationId xmlns:p14="http://schemas.microsoft.com/office/powerpoint/2010/main" val="2723720983"/>
+        <p14:creationId xmlns:p14="http://schemas.microsoft.com/office/powerpoint/2010/main" val="2476341235"/>
       </p:ext>
     </p:extLst>
   </p:cSld>
@@ -3634,22 +4478,25 @@
             </a:pPr>
             <a:r>
               <a:rPr lang="sr-Latn-BA" dirty="0"/>
-              <a:t>Check out</a:t>
+              <a:t>Async streams</a:t>
             </a:r>
             <a:r>
               <a:rPr lang="sr-Latn-BA" baseline="0" dirty="0"/>
-              <a:t> the documentation</a:t>
-            </a:r>
-          </a:p>
-          <a:p>
-            <a:pPr marL="628650" lvl="1" indent="-171450">
+              <a:t> - with IAsyncEnumerable&lt;T&gt;</a:t>
+            </a:r>
+          </a:p>
+          <a:p>
+            <a:pPr marL="171450" indent="-171450">
               <a:buFontTx/>
               <a:buChar char="-"/>
             </a:pPr>
             <a:r>
-              <a:rPr lang="en-US" dirty="0"/>
-              <a:t>https://docs.microsoft.com/en-us/aspnet/core/razor-components/components?view=aspnetcore-3.0</a:t>
-            </a:r>
+              <a:rPr lang="sr-Latn-BA" baseline="0" dirty="0"/>
+              <a:t>Floating point changes - alignment and fixes for platforms implementations</a:t>
+            </a:r>
+          </a:p>
+          <a:p>
+            <a:endParaRPr lang="en-US" dirty="0"/>
           </a:p>
         </p:txBody>
       </p:sp>
@@ -3670,7 +4517,7 @@
           <a:p>
             <a:fld id="{C8DA2B22-DD6B-46CA-A93F-FA5BD501CEA0}" type="slidenum">
               <a:rPr lang="en-US" smtClean="0"/>
-              <a:t>23</a:t>
+              <a:t>15</a:t>
             </a:fld>
             <a:endParaRPr lang="en-US"/>
           </a:p>
@@ -3679,7 +4526,7 @@
     </p:spTree>
     <p:extLst>
       <p:ext uri="{BB962C8B-B14F-4D97-AF65-F5344CB8AC3E}">
-        <p14:creationId xmlns:p14="http://schemas.microsoft.com/office/powerpoint/2010/main" val="1609557315"/>
+        <p14:creationId xmlns:p14="http://schemas.microsoft.com/office/powerpoint/2010/main" val="4014775632"/>
       </p:ext>
     </p:extLst>
   </p:cSld>
@@ -12342,7 +13189,7 @@
 </file>
 
 <file path=ppt/slides/slide11.xml><?xml version="1.0" encoding="utf-8"?>
-<p:sld xmlns:a="http://schemas.openxmlformats.org/drawingml/2006/main" xmlns:r="http://schemas.openxmlformats.org/officeDocument/2006/relationships" xmlns:p="http://schemas.openxmlformats.org/presentationml/2006/main">
+<p:sld xmlns:a="http://schemas.openxmlformats.org/drawingml/2006/main" xmlns:r="http://schemas.openxmlformats.org/officeDocument/2006/relationships" xmlns:p="http://schemas.openxmlformats.org/presentationml/2006/main" show="0">
   <p:cSld>
     <p:spTree>
       <p:nvGrpSpPr>
@@ -12575,6 +13422,9 @@
   <p:clrMapOvr>
     <a:masterClrMapping/>
   </p:clrMapOvr>
+  <p:transition>
+    <p:fade/>
+  </p:transition>
 </p:sld>
 </file>
 
@@ -12756,6 +13606,182 @@
 </file>
 
 <file path=ppt/slides/slide13.xml><?xml version="1.0" encoding="utf-8"?>
+<p:sld xmlns:a="http://schemas.openxmlformats.org/drawingml/2006/main" xmlns:r="http://schemas.openxmlformats.org/officeDocument/2006/relationships" xmlns:p="http://schemas.openxmlformats.org/presentationml/2006/main" show="0">
+  <p:cSld>
+    <p:spTree>
+      <p:nvGrpSpPr>
+        <p:cNvPr id="1" name=""/>
+        <p:cNvGrpSpPr/>
+        <p:nvPr/>
+      </p:nvGrpSpPr>
+      <p:grpSpPr>
+        <a:xfrm>
+          <a:off x="0" y="0"/>
+          <a:ext cx="0" cy="0"/>
+          <a:chOff x="0" y="0"/>
+          <a:chExt cx="0" cy="0"/>
+        </a:xfrm>
+      </p:grpSpPr>
+      <p:sp>
+        <p:nvSpPr>
+          <p:cNvPr id="2" name="Title 1">
+            <a:extLst>
+              <a:ext uri="{FF2B5EF4-FFF2-40B4-BE49-F238E27FC236}">
+                <a16:creationId xmlns:a16="http://schemas.microsoft.com/office/drawing/2014/main" id="{60A1B22D-9B49-4FA5-AC4A-AE742962AFEB}"/>
+              </a:ext>
+            </a:extLst>
+          </p:cNvPr>
+          <p:cNvSpPr>
+            <a:spLocks noGrp="1"/>
+          </p:cNvSpPr>
+          <p:nvPr>
+            <p:ph type="title"/>
+          </p:nvPr>
+        </p:nvSpPr>
+        <p:spPr/>
+        <p:txBody>
+          <a:bodyPr/>
+          <a:lstStyle/>
+          <a:p>
+            <a:r>
+              <a:rPr lang="en-US" dirty="0"/>
+              <a:t>.NET Framework 4.8</a:t>
+            </a:r>
+            <a:br>
+              <a:rPr lang="en-US" dirty="0"/>
+            </a:br>
+            <a:endParaRPr lang="en-US" dirty="0"/>
+          </a:p>
+        </p:txBody>
+      </p:sp>
+      <p:sp>
+        <p:nvSpPr>
+          <p:cNvPr id="3" name="Content Placeholder 2">
+            <a:extLst>
+              <a:ext uri="{FF2B5EF4-FFF2-40B4-BE49-F238E27FC236}">
+                <a16:creationId xmlns:a16="http://schemas.microsoft.com/office/drawing/2014/main" id="{EFD78266-44B6-4A20-AF26-D0ABD27E5A47}"/>
+              </a:ext>
+            </a:extLst>
+          </p:cNvPr>
+          <p:cNvSpPr>
+            <a:spLocks noGrp="1"/>
+          </p:cNvSpPr>
+          <p:nvPr>
+            <p:ph idx="1"/>
+          </p:nvPr>
+        </p:nvSpPr>
+        <p:spPr>
+          <a:xfrm>
+            <a:off x="274640" y="1212851"/>
+            <a:ext cx="11887198" cy="4672048"/>
+          </a:xfrm>
+        </p:spPr>
+        <p:txBody>
+          <a:bodyPr/>
+          <a:lstStyle/>
+          <a:p>
+            <a:r>
+              <a:rPr lang="en-US" dirty="0"/>
+              <a:t>The .NET Framework 4.8 includes an updated toolset as well as improvements in several areas:</a:t>
+            </a:r>
+            <a:br>
+              <a:rPr lang="en-US" dirty="0"/>
+            </a:br>
+            <a:r>
+              <a:rPr lang="en-US" b="1" dirty="0"/>
+              <a:t>[Runtime]</a:t>
+            </a:r>
+            <a:r>
+              <a:rPr lang="en-US" dirty="0"/>
+              <a:t> JIT and NGEN Improvements</a:t>
+            </a:r>
+            <a:br>
+              <a:rPr lang="en-US" dirty="0"/>
+            </a:br>
+            <a:r>
+              <a:rPr lang="en-US" b="1" dirty="0"/>
+              <a:t>[BCL]</a:t>
+            </a:r>
+            <a:r>
+              <a:rPr lang="en-US" dirty="0"/>
+              <a:t> Updated </a:t>
+            </a:r>
+            <a:r>
+              <a:rPr lang="en-US" dirty="0" err="1"/>
+              <a:t>ZLib</a:t>
+            </a:r>
+            <a:br>
+              <a:rPr lang="en-US" dirty="0"/>
+            </a:br>
+            <a:r>
+              <a:rPr lang="en-US" b="1" dirty="0"/>
+              <a:t>[BCL]</a:t>
+            </a:r>
+            <a:r>
+              <a:rPr lang="en-US" dirty="0"/>
+              <a:t> Reducing FIPS Impact on Cryptography</a:t>
+            </a:r>
+            <a:br>
+              <a:rPr lang="en-US" dirty="0"/>
+            </a:br>
+            <a:r>
+              <a:rPr lang="en-US" b="1" dirty="0"/>
+              <a:t>[WinForms]</a:t>
+            </a:r>
+            <a:r>
+              <a:rPr lang="en-US" dirty="0"/>
+              <a:t> Accessibility Enhancements</a:t>
+            </a:r>
+            <a:br>
+              <a:rPr lang="en-US" dirty="0"/>
+            </a:br>
+            <a:r>
+              <a:rPr lang="en-US" b="1" dirty="0"/>
+              <a:t>[WCF]</a:t>
+            </a:r>
+            <a:r>
+              <a:rPr lang="en-US" dirty="0"/>
+              <a:t> Service Behavior Enhancements</a:t>
+            </a:r>
+            <a:br>
+              <a:rPr lang="en-US" dirty="0"/>
+            </a:br>
+            <a:r>
+              <a:rPr lang="en-US" b="1" dirty="0"/>
+              <a:t>[WPF]</a:t>
+            </a:r>
+            <a:r>
+              <a:rPr lang="en-US" dirty="0"/>
+              <a:t> High DPI Enhancements, </a:t>
+            </a:r>
+            <a:r>
+              <a:rPr lang="en-US" dirty="0" err="1"/>
+              <a:t>UIAutomation</a:t>
+            </a:r>
+            <a:r>
+              <a:rPr lang="en-US" dirty="0"/>
+              <a:t> Improvements</a:t>
+            </a:r>
+          </a:p>
+        </p:txBody>
+      </p:sp>
+    </p:spTree>
+    <p:extLst>
+      <p:ext uri="{BB962C8B-B14F-4D97-AF65-F5344CB8AC3E}">
+        <p14:creationId xmlns:p14="http://schemas.microsoft.com/office/powerpoint/2010/main" val="2279678458"/>
+      </p:ext>
+    </p:extLst>
+  </p:cSld>
+  <p:clrMapOvr>
+    <a:masterClrMapping/>
+  </p:clrMapOvr>
+  <p:transition>
+    <p:fade/>
+  </p:transition>
+</p:sld>
+</file>
+
+<file path=ppt/slides/slide14.xml><?xml version="1.0" encoding="utf-8"?>
 <p:sld xmlns:a="http://schemas.openxmlformats.org/drawingml/2006/main" xmlns:r="http://schemas.openxmlformats.org/officeDocument/2006/relationships" xmlns:p="http://schemas.openxmlformats.org/presentationml/2006/main">
   <p:cSld>
     <p:spTree>
@@ -12829,7 +13855,7 @@
 </p:sld>
 </file>
 
-<file path=ppt/slides/slide14.xml><?xml version="1.0" encoding="utf-8"?>
+<file path=ppt/slides/slide15.xml><?xml version="1.0" encoding="utf-8"?>
 <p:sld xmlns:a="http://schemas.openxmlformats.org/drawingml/2006/main" xmlns:r="http://schemas.openxmlformats.org/officeDocument/2006/relationships" xmlns:p="http://schemas.openxmlformats.org/presentationml/2006/main">
   <p:cSld>
     <p:spTree>
@@ -13018,7 +14044,7 @@
 </p:sld>
 </file>
 
-<file path=ppt/slides/slide15.xml><?xml version="1.0" encoding="utf-8"?>
+<file path=ppt/slides/slide16.xml><?xml version="1.0" encoding="utf-8"?>
 <p:sld xmlns:a="http://schemas.openxmlformats.org/drawingml/2006/main" xmlns:r="http://schemas.openxmlformats.org/officeDocument/2006/relationships" xmlns:p="http://schemas.openxmlformats.org/presentationml/2006/main">
   <p:cSld>
     <p:spTree>
@@ -13254,23 +14280,7 @@
                   <a:srgbClr val="FFFFFF"/>
                 </a:highlight>
               </a:rPr>
-              <a:t>            </a:t>
-            </a:r>
-            <a:r>
-              <a:rPr lang="en-US" sz="1400" dirty="0" err="1">
-                <a:highlight>
-                  <a:srgbClr val="FFFFFF"/>
-                </a:highlight>
-              </a:rPr>
-              <a:t>Console.WriteLine</a:t>
-            </a:r>
-            <a:r>
-              <a:rPr lang="en-US" sz="1400" dirty="0">
-                <a:highlight>
-                  <a:srgbClr val="FFFFFF"/>
-                </a:highlight>
-              </a:rPr>
-              <a:t>("Present a talk");</a:t>
+              <a:t>            Console.WriteLine("Present a talk");</a:t>
             </a:r>
           </a:p>
           <a:p>
@@ -13847,7 +14857,7 @@
 </p:sld>
 </file>
 
-<file path=ppt/slides/slide16.xml><?xml version="1.0" encoding="utf-8"?>
+<file path=ppt/slides/slide17.xml><?xml version="1.0" encoding="utf-8"?>
 <p:sld xmlns:a="http://schemas.openxmlformats.org/drawingml/2006/main" xmlns:r="http://schemas.openxmlformats.org/officeDocument/2006/relationships" xmlns:p="http://schemas.openxmlformats.org/presentationml/2006/main">
   <p:cSld>
     <p:spTree>
@@ -14339,7 +15349,7 @@
 </p:sld>
 </file>
 
-<file path=ppt/slides/slide17.xml><?xml version="1.0" encoding="utf-8"?>
+<file path=ppt/slides/slide18.xml><?xml version="1.0" encoding="utf-8"?>
 <p:sld xmlns:a="http://schemas.openxmlformats.org/drawingml/2006/main" xmlns:r="http://schemas.openxmlformats.org/officeDocument/2006/relationships" xmlns:p="http://schemas.openxmlformats.org/presentationml/2006/main">
   <p:cSld>
     <p:spTree>
@@ -15106,7 +16116,7 @@
 </p:sld>
 </file>
 
-<file path=ppt/slides/slide18.xml><?xml version="1.0" encoding="utf-8"?>
+<file path=ppt/slides/slide19.xml><?xml version="1.0" encoding="utf-8"?>
 <p:sld xmlns:a="http://schemas.openxmlformats.org/drawingml/2006/main" xmlns:r="http://schemas.openxmlformats.org/officeDocument/2006/relationships" xmlns:p="http://schemas.openxmlformats.org/presentationml/2006/main">
   <p:cSld>
     <p:spTree>
@@ -15737,77 +16747,6 @@
 </p:sld>
 </file>
 
-<file path=ppt/slides/slide19.xml><?xml version="1.0" encoding="utf-8"?>
-<p:sld xmlns:a="http://schemas.openxmlformats.org/drawingml/2006/main" xmlns:r="http://schemas.openxmlformats.org/officeDocument/2006/relationships" xmlns:p="http://schemas.openxmlformats.org/presentationml/2006/main">
-  <p:cSld>
-    <p:spTree>
-      <p:nvGrpSpPr>
-        <p:cNvPr id="1" name=""/>
-        <p:cNvGrpSpPr/>
-        <p:nvPr/>
-      </p:nvGrpSpPr>
-      <p:grpSpPr>
-        <a:xfrm>
-          <a:off x="0" y="0"/>
-          <a:ext cx="0" cy="0"/>
-          <a:chOff x="0" y="0"/>
-          <a:chExt cx="0" cy="0"/>
-        </a:xfrm>
-      </p:grpSpPr>
-      <p:sp>
-        <p:nvSpPr>
-          <p:cNvPr id="4" name="Title 3"/>
-          <p:cNvSpPr>
-            <a:spLocks noGrp="1"/>
-          </p:cNvSpPr>
-          <p:nvPr>
-            <p:ph type="title"/>
-          </p:nvPr>
-        </p:nvSpPr>
-        <p:spPr/>
-        <p:txBody>
-          <a:bodyPr/>
-          <a:lstStyle/>
-          <a:p>
-            <a:r>
-              <a:rPr lang="en-US" dirty="0"/>
-              <a:t>Windows Desktop</a:t>
-            </a:r>
-          </a:p>
-        </p:txBody>
-      </p:sp>
-      <p:sp>
-        <p:nvSpPr>
-          <p:cNvPr id="5" name="Text Placeholder 4"/>
-          <p:cNvSpPr>
-            <a:spLocks noGrp="1"/>
-          </p:cNvSpPr>
-          <p:nvPr>
-            <p:ph type="body" idx="1"/>
-          </p:nvPr>
-        </p:nvSpPr>
-        <p:spPr/>
-        <p:txBody>
-          <a:bodyPr/>
-          <a:lstStyle/>
-          <a:p>
-            <a:endParaRPr lang="en-US"/>
-          </a:p>
-        </p:txBody>
-      </p:sp>
-    </p:spTree>
-    <p:extLst>
-      <p:ext uri="{BB962C8B-B14F-4D97-AF65-F5344CB8AC3E}">
-        <p14:creationId xmlns:p14="http://schemas.microsoft.com/office/powerpoint/2010/main" val="3273628895"/>
-      </p:ext>
-    </p:extLst>
-  </p:cSld>
-  <p:clrMapOvr>
-    <a:masterClrMapping/>
-  </p:clrMapOvr>
-</p:sld>
-</file>
-
 <file path=ppt/slides/slide2.xml><?xml version="1.0" encoding="utf-8"?>
 <p:sld xmlns:a="http://schemas.openxmlformats.org/drawingml/2006/main" xmlns:r="http://schemas.openxmlformats.org/officeDocument/2006/relationships" xmlns:p="http://schemas.openxmlformats.org/presentationml/2006/main">
   <p:cSld>
@@ -15968,7 +16907,7 @@
       </p:grpSpPr>
       <p:sp>
         <p:nvSpPr>
-          <p:cNvPr id="2" name="Title 1"/>
+          <p:cNvPr id="4" name="Title 3"/>
           <p:cNvSpPr>
             <a:spLocks noGrp="1"/>
           </p:cNvSpPr>
@@ -15990,63 +16929,27 @@
       </p:sp>
       <p:sp>
         <p:nvSpPr>
-          <p:cNvPr id="3" name="Content Placeholder 2"/>
+          <p:cNvPr id="5" name="Text Placeholder 4"/>
           <p:cNvSpPr>
             <a:spLocks noGrp="1"/>
           </p:cNvSpPr>
           <p:nvPr>
-            <p:ph idx="1"/>
+            <p:ph type="body" idx="1"/>
           </p:nvPr>
         </p:nvSpPr>
-        <p:spPr>
-          <a:xfrm>
-            <a:off x="274640" y="1212851"/>
-            <a:ext cx="11887198" cy="3120854"/>
-          </a:xfrm>
-        </p:spPr>
+        <p:spPr/>
         <p:txBody>
           <a:bodyPr/>
           <a:lstStyle/>
           <a:p>
-            <a:r>
-              <a:rPr lang="en-US" dirty="0"/>
-              <a:t>Windows Forms</a:t>
-            </a:r>
-          </a:p>
-          <a:p>
-            <a:r>
-              <a:rPr lang="en-US" dirty="0"/>
-              <a:t>WPF</a:t>
-            </a:r>
-          </a:p>
-          <a:p>
-            <a:r>
-              <a:rPr lang="en-US" dirty="0" err="1"/>
-              <a:t>WinUI</a:t>
-            </a:r>
-            <a:endParaRPr lang="sr-Latn-BA" dirty="0"/>
-          </a:p>
-          <a:p>
-            <a:r>
-              <a:rPr lang="en-US" dirty="0"/>
-              <a:t>Open-source</a:t>
-            </a:r>
-          </a:p>
-          <a:p>
-            <a:r>
-              <a:rPr lang="sr-Latn-BA" dirty="0">
-                <a:hlinkClick r:id="rId3"/>
-              </a:rPr>
-              <a:t>How to port desktop applications to .NET Core 3.0</a:t>
-            </a:r>
-            <a:endParaRPr lang="en-US" dirty="0"/>
+            <a:endParaRPr lang="en-US"/>
           </a:p>
         </p:txBody>
       </p:sp>
     </p:spTree>
     <p:extLst>
       <p:ext uri="{BB962C8B-B14F-4D97-AF65-F5344CB8AC3E}">
-        <p14:creationId xmlns:p14="http://schemas.microsoft.com/office/powerpoint/2010/main" val="4035112623"/>
+        <p14:creationId xmlns:p14="http://schemas.microsoft.com/office/powerpoint/2010/main" val="3273628895"/>
       </p:ext>
     </p:extLst>
   </p:cSld>
@@ -16090,6 +16993,113 @@
           <a:p>
             <a:r>
               <a:rPr lang="en-US" dirty="0"/>
+              <a:t>Windows Desktop</a:t>
+            </a:r>
+          </a:p>
+        </p:txBody>
+      </p:sp>
+      <p:sp>
+        <p:nvSpPr>
+          <p:cNvPr id="3" name="Content Placeholder 2"/>
+          <p:cNvSpPr>
+            <a:spLocks noGrp="1"/>
+          </p:cNvSpPr>
+          <p:nvPr>
+            <p:ph idx="1"/>
+          </p:nvPr>
+        </p:nvSpPr>
+        <p:spPr>
+          <a:xfrm>
+            <a:off x="274640" y="1212851"/>
+            <a:ext cx="11887198" cy="3120854"/>
+          </a:xfrm>
+        </p:spPr>
+        <p:txBody>
+          <a:bodyPr/>
+          <a:lstStyle/>
+          <a:p>
+            <a:r>
+              <a:rPr lang="en-US" dirty="0"/>
+              <a:t>Windows Forms</a:t>
+            </a:r>
+          </a:p>
+          <a:p>
+            <a:r>
+              <a:rPr lang="en-US" dirty="0"/>
+              <a:t>WPF</a:t>
+            </a:r>
+          </a:p>
+          <a:p>
+            <a:r>
+              <a:rPr lang="en-US" dirty="0" err="1"/>
+              <a:t>WinUI</a:t>
+            </a:r>
+            <a:endParaRPr lang="sr-Latn-BA" dirty="0"/>
+          </a:p>
+          <a:p>
+            <a:r>
+              <a:rPr lang="en-US" dirty="0"/>
+              <a:t>Open-source</a:t>
+            </a:r>
+          </a:p>
+          <a:p>
+            <a:r>
+              <a:rPr lang="sr-Latn-BA" dirty="0">
+                <a:hlinkClick r:id="rId3"/>
+              </a:rPr>
+              <a:t>How to port desktop applications to .NET Core 3.0</a:t>
+            </a:r>
+            <a:endParaRPr lang="en-US" dirty="0"/>
+          </a:p>
+        </p:txBody>
+      </p:sp>
+    </p:spTree>
+    <p:extLst>
+      <p:ext uri="{BB962C8B-B14F-4D97-AF65-F5344CB8AC3E}">
+        <p14:creationId xmlns:p14="http://schemas.microsoft.com/office/powerpoint/2010/main" val="4035112623"/>
+      </p:ext>
+    </p:extLst>
+  </p:cSld>
+  <p:clrMapOvr>
+    <a:masterClrMapping/>
+  </p:clrMapOvr>
+</p:sld>
+</file>
+
+<file path=ppt/slides/slide22.xml><?xml version="1.0" encoding="utf-8"?>
+<p:sld xmlns:a="http://schemas.openxmlformats.org/drawingml/2006/main" xmlns:r="http://schemas.openxmlformats.org/officeDocument/2006/relationships" xmlns:p="http://schemas.openxmlformats.org/presentationml/2006/main">
+  <p:cSld>
+    <p:spTree>
+      <p:nvGrpSpPr>
+        <p:cNvPr id="1" name=""/>
+        <p:cNvGrpSpPr/>
+        <p:nvPr/>
+      </p:nvGrpSpPr>
+      <p:grpSpPr>
+        <a:xfrm>
+          <a:off x="0" y="0"/>
+          <a:ext cx="0" cy="0"/>
+          <a:chOff x="0" y="0"/>
+          <a:chExt cx="0" cy="0"/>
+        </a:xfrm>
+      </p:grpSpPr>
+      <p:sp>
+        <p:nvSpPr>
+          <p:cNvPr id="2" name="Title 1"/>
+          <p:cNvSpPr>
+            <a:spLocks noGrp="1"/>
+          </p:cNvSpPr>
+          <p:nvPr>
+            <p:ph type="title"/>
+          </p:nvPr>
+        </p:nvSpPr>
+        <p:spPr/>
+        <p:txBody>
+          <a:bodyPr/>
+          <a:lstStyle/>
+          <a:p>
+            <a:r>
+              <a:rPr lang="en-US" dirty="0"/>
               <a:t>Tools</a:t>
             </a:r>
             <a:endParaRPr lang="sr-Latn-BA" dirty="0"/>
@@ -16260,7 +17270,7 @@
 </p:sld>
 </file>
 
-<file path=ppt/slides/slide22.xml><?xml version="1.0" encoding="utf-8"?>
+<file path=ppt/slides/slide23.xml><?xml version="1.0" encoding="utf-8"?>
 <p:sld xmlns:a="http://schemas.openxmlformats.org/drawingml/2006/main" xmlns:r="http://schemas.openxmlformats.org/officeDocument/2006/relationships" xmlns:p="http://schemas.openxmlformats.org/presentationml/2006/main" show="0">
   <p:cSld>
     <p:spTree>
@@ -16334,7 +17344,7 @@
 </p:sld>
 </file>
 
-<file path=ppt/slides/slide23.xml><?xml version="1.0" encoding="utf-8"?>
+<file path=ppt/slides/slide24.xml><?xml version="1.0" encoding="utf-8"?>
 <p:sld xmlns:a="http://schemas.openxmlformats.org/drawingml/2006/main" xmlns:r="http://schemas.openxmlformats.org/officeDocument/2006/relationships" xmlns:p="http://schemas.openxmlformats.org/presentationml/2006/main" show="0">
   <p:cSld>
     <p:spTree>
@@ -16568,237 +17578,6 @@
 </p:sld>
 </file>
 
-<file path=ppt/slides/slide24.xml><?xml version="1.0" encoding="utf-8"?>
-<p:sld xmlns:a="http://schemas.openxmlformats.org/drawingml/2006/main" xmlns:r="http://schemas.openxmlformats.org/officeDocument/2006/relationships" xmlns:p="http://schemas.openxmlformats.org/presentationml/2006/main" show="0">
-  <p:cSld>
-    <p:spTree>
-      <p:nvGrpSpPr>
-        <p:cNvPr id="1" name=""/>
-        <p:cNvGrpSpPr/>
-        <p:nvPr/>
-      </p:nvGrpSpPr>
-      <p:grpSpPr>
-        <a:xfrm>
-          <a:off x="0" y="0"/>
-          <a:ext cx="0" cy="0"/>
-          <a:chOff x="0" y="0"/>
-          <a:chExt cx="0" cy="0"/>
-        </a:xfrm>
-      </p:grpSpPr>
-      <p:sp>
-        <p:nvSpPr>
-          <p:cNvPr id="2" name="Title 1"/>
-          <p:cNvSpPr>
-            <a:spLocks noGrp="1"/>
-          </p:cNvSpPr>
-          <p:nvPr>
-            <p:ph type="title"/>
-          </p:nvPr>
-        </p:nvSpPr>
-        <p:spPr/>
-        <p:txBody>
-          <a:bodyPr/>
-          <a:lstStyle/>
-          <a:p>
-            <a:r>
-              <a:rPr lang="sr-Latn-BA" dirty="0"/>
-              <a:t>Endpoint routing</a:t>
-            </a:r>
-            <a:endParaRPr lang="en-US" dirty="0"/>
-          </a:p>
-        </p:txBody>
-      </p:sp>
-      <p:sp>
-        <p:nvSpPr>
-          <p:cNvPr id="3" name="Content Placeholder 2"/>
-          <p:cNvSpPr>
-            <a:spLocks noGrp="1"/>
-          </p:cNvSpPr>
-          <p:nvPr>
-            <p:ph idx="1"/>
-          </p:nvPr>
-        </p:nvSpPr>
-        <p:spPr/>
-        <p:txBody>
-          <a:bodyPr>
-            <a:normAutofit fontScale="92500" lnSpcReduction="20000"/>
-          </a:bodyPr>
-          <a:lstStyle/>
-          <a:p>
-            <a:pPr marL="0" indent="0">
-              <a:buNone/>
-            </a:pPr>
-            <a:r>
-              <a:rPr lang="sr-Latn-BA" dirty="0">
-                <a:latin typeface="Consolas" panose="020B0609020204030204" pitchFamily="49" charset="0"/>
-              </a:rPr>
-              <a:t>app.UseRouting();</a:t>
-            </a:r>
-            <a:br>
-              <a:rPr lang="sr-Latn-BA" dirty="0">
-                <a:latin typeface="Consolas" panose="020B0609020204030204" pitchFamily="49" charset="0"/>
-              </a:rPr>
-            </a:br>
-            <a:br>
-              <a:rPr lang="sr-Latn-BA" dirty="0">
-                <a:latin typeface="Consolas" panose="020B0609020204030204" pitchFamily="49" charset="0"/>
-              </a:rPr>
-            </a:br>
-            <a:r>
-              <a:rPr lang="sr-Latn-BA" dirty="0">
-                <a:latin typeface="Consolas" panose="020B0609020204030204" pitchFamily="49" charset="0"/>
-              </a:rPr>
-              <a:t>app.UseAuthentication();</a:t>
-            </a:r>
-            <a:br>
-              <a:rPr lang="sr-Latn-BA" dirty="0">
-                <a:latin typeface="Consolas" panose="020B0609020204030204" pitchFamily="49" charset="0"/>
-              </a:rPr>
-            </a:br>
-            <a:r>
-              <a:rPr lang="sr-Latn-BA" dirty="0">
-                <a:latin typeface="Consolas" panose="020B0609020204030204" pitchFamily="49" charset="0"/>
-              </a:rPr>
-              <a:t>app.UseAuthorization();</a:t>
-            </a:r>
-            <a:br>
-              <a:rPr lang="sr-Latn-BA" dirty="0">
-                <a:latin typeface="Consolas" panose="020B0609020204030204" pitchFamily="49" charset="0"/>
-              </a:rPr>
-            </a:br>
-            <a:r>
-              <a:rPr lang="sr-Latn-BA" dirty="0">
-                <a:latin typeface="Consolas" panose="020B0609020204030204" pitchFamily="49" charset="0"/>
-              </a:rPr>
-              <a:t>app.UseCors();</a:t>
-            </a:r>
-            <a:br>
-              <a:rPr lang="sr-Latn-BA" dirty="0">
-                <a:latin typeface="Consolas" panose="020B0609020204030204" pitchFamily="49" charset="0"/>
-              </a:rPr>
-            </a:br>
-            <a:br>
-              <a:rPr lang="sr-Latn-BA" dirty="0">
-                <a:latin typeface="Consolas" panose="020B0609020204030204" pitchFamily="49" charset="0"/>
-              </a:rPr>
-            </a:br>
-            <a:r>
-              <a:rPr lang="sr-Latn-BA" dirty="0">
-                <a:latin typeface="Consolas" panose="020B0609020204030204" pitchFamily="49" charset="0"/>
-              </a:rPr>
-              <a:t>app.UseEndpoints(endpoints =&gt; </a:t>
-            </a:r>
-            <a:br>
-              <a:rPr lang="sr-Latn-BA" dirty="0">
-                <a:latin typeface="Consolas" panose="020B0609020204030204" pitchFamily="49" charset="0"/>
-              </a:rPr>
-            </a:br>
-            <a:r>
-              <a:rPr lang="sr-Latn-BA" dirty="0">
-                <a:latin typeface="Consolas" panose="020B0609020204030204" pitchFamily="49" charset="0"/>
-              </a:rPr>
-              <a:t>{</a:t>
-            </a:r>
-            <a:br>
-              <a:rPr lang="sr-Latn-BA" dirty="0">
-                <a:latin typeface="Consolas" panose="020B0609020204030204" pitchFamily="49" charset="0"/>
-              </a:rPr>
-            </a:br>
-            <a:r>
-              <a:rPr lang="sr-Latn-BA" dirty="0">
-                <a:latin typeface="Consolas" panose="020B0609020204030204" pitchFamily="49" charset="0"/>
-              </a:rPr>
-              <a:t>    endpoints.MapControllers();</a:t>
-            </a:r>
-            <a:br>
-              <a:rPr lang="sr-Latn-BA" dirty="0">
-                <a:latin typeface="Consolas" panose="020B0609020204030204" pitchFamily="49" charset="0"/>
-              </a:rPr>
-            </a:br>
-            <a:r>
-              <a:rPr lang="sr-Latn-BA" dirty="0">
-                <a:latin typeface="Consolas" panose="020B0609020204030204" pitchFamily="49" charset="0"/>
-              </a:rPr>
-              <a:t>    endpoints.MapRazorPages();</a:t>
-            </a:r>
-            <a:br>
-              <a:rPr lang="en-US" dirty="0">
-                <a:latin typeface="Consolas" panose="020B0609020204030204" pitchFamily="49" charset="0"/>
-              </a:rPr>
-            </a:br>
-            <a:r>
-              <a:rPr lang="en-US" dirty="0">
-                <a:latin typeface="Consolas" panose="020B0609020204030204" pitchFamily="49" charset="0"/>
-              </a:rPr>
-              <a:t>    </a:t>
-            </a:r>
-            <a:r>
-              <a:rPr lang="en-US" dirty="0" err="1">
-                <a:latin typeface="Consolas" panose="020B0609020204030204" pitchFamily="49" charset="0"/>
-              </a:rPr>
-              <a:t>endpoints.MapBlazorHub</a:t>
-            </a:r>
-            <a:r>
-              <a:rPr lang="en-US" dirty="0">
-                <a:latin typeface="Consolas" panose="020B0609020204030204" pitchFamily="49" charset="0"/>
-              </a:rPr>
-              <a:t>();</a:t>
-            </a:r>
-            <a:br>
-              <a:rPr lang="sr-Latn-BA" dirty="0">
-                <a:latin typeface="Consolas" panose="020B0609020204030204" pitchFamily="49" charset="0"/>
-              </a:rPr>
-            </a:br>
-            <a:r>
-              <a:rPr lang="sr-Latn-BA" dirty="0">
-                <a:latin typeface="Consolas" panose="020B0609020204030204" pitchFamily="49" charset="0"/>
-              </a:rPr>
-              <a:t>    endpoints.MapHub&lt;ChatHub&gt;(„hubs/chat“);</a:t>
-            </a:r>
-            <a:br>
-              <a:rPr lang="sr-Latn-BA" dirty="0">
-                <a:latin typeface="Consolas" panose="020B0609020204030204" pitchFamily="49" charset="0"/>
-              </a:rPr>
-            </a:br>
-            <a:r>
-              <a:rPr lang="sr-Latn-BA" dirty="0">
-                <a:latin typeface="Consolas" panose="020B0609020204030204" pitchFamily="49" charset="0"/>
-              </a:rPr>
-              <a:t>    endpoints.MapGrpcService&lt;CalculatorService&gt;();</a:t>
-            </a:r>
-            <a:br>
-              <a:rPr lang="sr-Latn-BA" dirty="0">
-                <a:latin typeface="Consolas" panose="020B0609020204030204" pitchFamily="49" charset="0"/>
-              </a:rPr>
-            </a:br>
-            <a:r>
-              <a:rPr lang="sr-Latn-BA" dirty="0">
-                <a:latin typeface="Consolas" panose="020B0609020204030204" pitchFamily="49" charset="0"/>
-              </a:rPr>
-              <a:t>});</a:t>
-            </a:r>
-            <a:endParaRPr lang="en-US" dirty="0">
-              <a:latin typeface="Consolas" panose="020B0609020204030204" pitchFamily="49" charset="0"/>
-            </a:endParaRPr>
-          </a:p>
-        </p:txBody>
-      </p:sp>
-    </p:spTree>
-    <p:extLst>
-      <p:ext uri="{BB962C8B-B14F-4D97-AF65-F5344CB8AC3E}">
-        <p14:creationId xmlns:p14="http://schemas.microsoft.com/office/powerpoint/2010/main" val="4069745122"/>
-      </p:ext>
-    </p:extLst>
-  </p:cSld>
-  <p:clrMapOvr>
-    <a:masterClrMapping/>
-  </p:clrMapOvr>
-  <p:transition>
-    <p:fade/>
-  </p:transition>
-</p:sld>
-</file>
-
 <file path=ppt/slides/slide25.xml><?xml version="1.0" encoding="utf-8"?>
 <p:sld xmlns:a="http://schemas.openxmlformats.org/drawingml/2006/main" xmlns:r="http://schemas.openxmlformats.org/officeDocument/2006/relationships" xmlns:p="http://schemas.openxmlformats.org/presentationml/2006/main" show="0">
   <p:cSld>
@@ -16832,9 +17611,10 @@
           <a:lstStyle/>
           <a:p>
             <a:r>
-              <a:rPr lang="en-US" dirty="0"/>
-              <a:t>ASP.NET Core</a:t>
-            </a:r>
+              <a:rPr lang="sr-Latn-BA" dirty="0"/>
+              <a:t>Endpoint routing</a:t>
+            </a:r>
+            <a:endParaRPr lang="en-US" dirty="0"/>
           </a:p>
         </p:txBody>
       </p:sp>
@@ -16851,133 +17631,172 @@
         <p:spPr/>
         <p:txBody>
           <a:bodyPr>
-            <a:normAutofit fontScale="92500" lnSpcReduction="10000"/>
+            <a:normAutofit fontScale="92500" lnSpcReduction="20000"/>
           </a:bodyPr>
           <a:lstStyle/>
           <a:p>
-            <a:r>
-              <a:rPr lang="en-US" dirty="0"/>
-              <a:t>Json.NET removed from shared framework</a:t>
-            </a:r>
-          </a:p>
-          <a:p>
-            <a:pPr lvl="1"/>
-            <a:r>
-              <a:rPr lang="en-US" dirty="0" err="1"/>
-              <a:t>services.AddMvc</a:t>
-            </a:r>
-            <a:r>
-              <a:rPr lang="en-US" dirty="0"/>
-              <a:t>().</a:t>
-            </a:r>
-            <a:r>
-              <a:rPr lang="en-US" dirty="0" err="1"/>
-              <a:t>AddNewtonsoftJson</a:t>
-            </a:r>
-            <a:r>
-              <a:rPr lang="en-US" dirty="0"/>
+            <a:pPr marL="0" indent="0">
+              <a:buNone/>
+            </a:pPr>
+            <a:r>
+              <a:rPr lang="sr-Latn-BA" dirty="0">
+                <a:latin typeface="Consolas" panose="020B0609020204030204" pitchFamily="49" charset="0"/>
+              </a:rPr>
+              <a:t>app.UseRouting();</a:t>
+            </a:r>
+            <a:br>
+              <a:rPr lang="sr-Latn-BA" dirty="0">
+                <a:latin typeface="Consolas" panose="020B0609020204030204" pitchFamily="49" charset="0"/>
+              </a:rPr>
+            </a:br>
+            <a:br>
+              <a:rPr lang="sr-Latn-BA" dirty="0">
+                <a:latin typeface="Consolas" panose="020B0609020204030204" pitchFamily="49" charset="0"/>
+              </a:rPr>
+            </a:br>
+            <a:r>
+              <a:rPr lang="sr-Latn-BA" dirty="0">
+                <a:latin typeface="Consolas" panose="020B0609020204030204" pitchFamily="49" charset="0"/>
+              </a:rPr>
+              <a:t>app.UseAuthentication();</a:t>
+            </a:r>
+            <a:br>
+              <a:rPr lang="sr-Latn-BA" dirty="0">
+                <a:latin typeface="Consolas" panose="020B0609020204030204" pitchFamily="49" charset="0"/>
+              </a:rPr>
+            </a:br>
+            <a:r>
+              <a:rPr lang="sr-Latn-BA" dirty="0">
+                <a:latin typeface="Consolas" panose="020B0609020204030204" pitchFamily="49" charset="0"/>
+              </a:rPr>
+              <a:t>app.UseAuthorization();</a:t>
+            </a:r>
+            <a:br>
+              <a:rPr lang="sr-Latn-BA" dirty="0">
+                <a:latin typeface="Consolas" panose="020B0609020204030204" pitchFamily="49" charset="0"/>
+              </a:rPr>
+            </a:br>
+            <a:r>
+              <a:rPr lang="sr-Latn-BA" dirty="0">
+                <a:latin typeface="Consolas" panose="020B0609020204030204" pitchFamily="49" charset="0"/>
+              </a:rPr>
+              <a:t>app.UseCors();</a:t>
+            </a:r>
+            <a:br>
+              <a:rPr lang="sr-Latn-BA" dirty="0">
+                <a:latin typeface="Consolas" panose="020B0609020204030204" pitchFamily="49" charset="0"/>
+              </a:rPr>
+            </a:br>
+            <a:br>
+              <a:rPr lang="sr-Latn-BA" dirty="0">
+                <a:latin typeface="Consolas" panose="020B0609020204030204" pitchFamily="49" charset="0"/>
+              </a:rPr>
+            </a:br>
+            <a:r>
+              <a:rPr lang="sr-Latn-BA" dirty="0">
+                <a:latin typeface="Consolas" panose="020B0609020204030204" pitchFamily="49" charset="0"/>
+              </a:rPr>
+              <a:t>app.UseEndpoints(endpoints =&gt; </a:t>
+            </a:r>
+            <a:br>
+              <a:rPr lang="sr-Latn-BA" dirty="0">
+                <a:latin typeface="Consolas" panose="020B0609020204030204" pitchFamily="49" charset="0"/>
+              </a:rPr>
+            </a:br>
+            <a:r>
+              <a:rPr lang="sr-Latn-BA" dirty="0">
+                <a:latin typeface="Consolas" panose="020B0609020204030204" pitchFamily="49" charset="0"/>
+              </a:rPr>
+              <a:t>{</a:t>
+            </a:r>
+            <a:br>
+              <a:rPr lang="sr-Latn-BA" dirty="0">
+                <a:latin typeface="Consolas" panose="020B0609020204030204" pitchFamily="49" charset="0"/>
+              </a:rPr>
+            </a:br>
+            <a:r>
+              <a:rPr lang="sr-Latn-BA" dirty="0">
+                <a:latin typeface="Consolas" panose="020B0609020204030204" pitchFamily="49" charset="0"/>
+              </a:rPr>
+              <a:t>    endpoints.MapControllers();</a:t>
+            </a:r>
+            <a:br>
+              <a:rPr lang="sr-Latn-BA" dirty="0">
+                <a:latin typeface="Consolas" panose="020B0609020204030204" pitchFamily="49" charset="0"/>
+              </a:rPr>
+            </a:br>
+            <a:r>
+              <a:rPr lang="sr-Latn-BA" dirty="0">
+                <a:latin typeface="Consolas" panose="020B0609020204030204" pitchFamily="49" charset="0"/>
+              </a:rPr>
+              <a:t>    endpoints.MapRazorPages();</a:t>
+            </a:r>
+            <a:br>
+              <a:rPr lang="en-US" dirty="0">
+                <a:latin typeface="Consolas" panose="020B0609020204030204" pitchFamily="49" charset="0"/>
+              </a:rPr>
+            </a:br>
+            <a:r>
+              <a:rPr lang="en-US" dirty="0">
+                <a:latin typeface="Consolas" panose="020B0609020204030204" pitchFamily="49" charset="0"/>
+              </a:rPr>
+              <a:t>    </a:t>
+            </a:r>
+            <a:r>
+              <a:rPr lang="en-US" dirty="0" err="1">
+                <a:latin typeface="Consolas" panose="020B0609020204030204" pitchFamily="49" charset="0"/>
+              </a:rPr>
+              <a:t>endpoints.MapBlazorHub</a:t>
+            </a:r>
+            <a:r>
+              <a:rPr lang="en-US" dirty="0">
+                <a:latin typeface="Consolas" panose="020B0609020204030204" pitchFamily="49" charset="0"/>
+              </a:rPr>
               <a:t>();</a:t>
             </a:r>
-          </a:p>
-          <a:p>
-            <a:r>
-              <a:rPr lang="en-US" dirty="0"/>
-              <a:t>Runtime compilation removed</a:t>
-            </a:r>
-          </a:p>
-          <a:p>
-            <a:pPr lvl="1"/>
-            <a:r>
-              <a:rPr lang="en-US" dirty="0"/>
-              <a:t>not depending on Roslyn, but can be added manually</a:t>
-            </a:r>
-          </a:p>
-          <a:p>
-            <a:r>
-              <a:rPr lang="en-US" dirty="0" err="1"/>
-              <a:t>System.IO.Pipelines</a:t>
-            </a:r>
-            <a:r>
-              <a:rPr lang="en-US" dirty="0"/>
-              <a:t> on </a:t>
-            </a:r>
-            <a:r>
-              <a:rPr lang="en-US" dirty="0" err="1"/>
-              <a:t>HttpContext</a:t>
-            </a:r>
-            <a:endParaRPr lang="en-US" dirty="0"/>
-          </a:p>
-          <a:p>
-            <a:r>
-              <a:rPr lang="en-US" dirty="0"/>
-              <a:t>Generic host inside templates</a:t>
-            </a:r>
-            <a:r>
-              <a:rPr lang="sr-Latn-BA" dirty="0"/>
-              <a:t> [</a:t>
-            </a:r>
-            <a:r>
+            <a:br>
               <a:rPr lang="sr-Latn-BA" dirty="0">
-                <a:hlinkClick r:id="rId3"/>
+                <a:latin typeface="Consolas" panose="020B0609020204030204" pitchFamily="49" charset="0"/>
               </a:rPr>
-              <a:t>docs</a:t>
-            </a:r>
-            <a:r>
-              <a:rPr lang="sr-Latn-BA" dirty="0"/>
-              <a:t>]</a:t>
-            </a:r>
-            <a:endParaRPr lang="en-US" dirty="0"/>
-          </a:p>
-          <a:p>
-            <a:pPr lvl="1"/>
-            <a:r>
-              <a:rPr lang="en-US" dirty="0" err="1"/>
-              <a:t>HostBuilder</a:t>
-            </a:r>
-            <a:r>
-              <a:rPr lang="en-US" dirty="0"/>
-              <a:t> instead </a:t>
-            </a:r>
-            <a:r>
-              <a:rPr lang="en-US" dirty="0" err="1"/>
-              <a:t>WebHostBuilder</a:t>
-            </a:r>
-            <a:endParaRPr lang="en-US" dirty="0"/>
-          </a:p>
-          <a:p>
-            <a:r>
-              <a:rPr lang="sr-Latn-BA" dirty="0"/>
-              <a:t>More options for MVC service registration</a:t>
-            </a:r>
-          </a:p>
-          <a:p>
-            <a:pPr lvl="1"/>
-            <a:r>
-              <a:rPr lang="sr-Latn-BA" dirty="0"/>
-              <a:t>AddControllers()</a:t>
-            </a:r>
-          </a:p>
-          <a:p>
-            <a:pPr lvl="1"/>
-            <a:r>
-              <a:rPr lang="sr-Latn-BA" dirty="0"/>
-              <a:t>AddControllersWithViews()</a:t>
-            </a:r>
-          </a:p>
-          <a:p>
-            <a:pPr lvl="1"/>
-            <a:r>
-              <a:rPr lang="sr-Latn-BA" dirty="0"/>
-              <a:t>AddRazorPages() </a:t>
-            </a:r>
-            <a:endParaRPr lang="en-US" dirty="0"/>
+            </a:br>
+            <a:r>
+              <a:rPr lang="sr-Latn-BA" dirty="0">
+                <a:latin typeface="Consolas" panose="020B0609020204030204" pitchFamily="49" charset="0"/>
+              </a:rPr>
+              <a:t>    endpoints.MapHub&lt;ChatHub&gt;(„hubs/chat“);</a:t>
+            </a:r>
+            <a:br>
+              <a:rPr lang="sr-Latn-BA" dirty="0">
+                <a:latin typeface="Consolas" panose="020B0609020204030204" pitchFamily="49" charset="0"/>
+              </a:rPr>
+            </a:br>
+            <a:r>
+              <a:rPr lang="sr-Latn-BA" dirty="0">
+                <a:latin typeface="Consolas" panose="020B0609020204030204" pitchFamily="49" charset="0"/>
+              </a:rPr>
+              <a:t>    endpoints.MapGrpcService&lt;CalculatorService&gt;();</a:t>
+            </a:r>
+            <a:br>
+              <a:rPr lang="sr-Latn-BA" dirty="0">
+                <a:latin typeface="Consolas" panose="020B0609020204030204" pitchFamily="49" charset="0"/>
+              </a:rPr>
+            </a:br>
+            <a:r>
+              <a:rPr lang="sr-Latn-BA" dirty="0">
+                <a:latin typeface="Consolas" panose="020B0609020204030204" pitchFamily="49" charset="0"/>
+              </a:rPr>
+              <a:t>});</a:t>
+            </a:r>
+            <a:endParaRPr lang="en-US" dirty="0">
+              <a:latin typeface="Consolas" panose="020B0609020204030204" pitchFamily="49" charset="0"/>
+            </a:endParaRPr>
           </a:p>
         </p:txBody>
       </p:sp>
     </p:spTree>
     <p:extLst>
       <p:ext uri="{BB962C8B-B14F-4D97-AF65-F5344CB8AC3E}">
-        <p14:creationId xmlns:p14="http://schemas.microsoft.com/office/powerpoint/2010/main" val="1374333779"/>
+        <p14:creationId xmlns:p14="http://schemas.microsoft.com/office/powerpoint/2010/main" val="4069745122"/>
       </p:ext>
     </p:extLst>
   </p:cSld>
@@ -17024,7 +17843,7 @@
           <a:p>
             <a:r>
               <a:rPr lang="en-US" dirty="0"/>
-              <a:t>SPA templates improvements</a:t>
+              <a:t>ASP.NET Core</a:t>
             </a:r>
           </a:p>
         </p:txBody>
@@ -17039,119 +17858,136 @@
             <p:ph idx="1"/>
           </p:nvPr>
         </p:nvSpPr>
-        <p:spPr>
-          <a:xfrm>
-            <a:off x="274640" y="1212851"/>
-            <a:ext cx="11887198" cy="3016210"/>
-          </a:xfrm>
-        </p:spPr>
+        <p:spPr/>
         <p:txBody>
-          <a:bodyPr/>
+          <a:bodyPr>
+            <a:normAutofit fontScale="92500" lnSpcReduction="10000"/>
+          </a:bodyPr>
           <a:lstStyle/>
           <a:p>
             <a:r>
               <a:rPr lang="en-US" dirty="0"/>
-              <a:t>Upgraded Angular to version 7</a:t>
-            </a:r>
-          </a:p>
-          <a:p>
-            <a:r>
-              <a:rPr lang="en-US" dirty="0"/>
-              <a:t>SPA authentication with </a:t>
-            </a:r>
+              <a:t>Json.NET removed from shared framework</a:t>
+            </a:r>
+          </a:p>
+          <a:p>
+            <a:pPr lvl="1"/>
             <a:r>
               <a:rPr lang="en-US" dirty="0" err="1"/>
-              <a:t>IdentityServer</a:t>
-            </a:r>
-            <a:r>
-              <a:rPr lang="en-US" dirty="0"/>
+              <a:t>services.AddMvc</a:t>
+            </a:r>
+            <a:r>
+              <a:rPr lang="en-US" dirty="0"/>
+              <a:t>().</a:t>
+            </a:r>
+            <a:r>
+              <a:rPr lang="en-US" dirty="0" err="1"/>
+              <a:t>AddNewtonsoftJson</a:t>
+            </a:r>
+            <a:r>
+              <a:rPr lang="en-US" dirty="0"/>
+              <a:t>();</a:t>
+            </a:r>
+          </a:p>
+          <a:p>
+            <a:r>
+              <a:rPr lang="en-US" dirty="0"/>
+              <a:t>Runtime compilation removed</a:t>
+            </a:r>
+          </a:p>
+          <a:p>
+            <a:pPr lvl="1"/>
+            <a:r>
+              <a:rPr lang="en-US" dirty="0"/>
+              <a:t>not depending on Roslyn, but can be added manually</a:t>
+            </a:r>
+          </a:p>
+          <a:p>
+            <a:r>
+              <a:rPr lang="en-US" dirty="0" err="1"/>
+              <a:t>System.IO.Pipelines</a:t>
+            </a:r>
+            <a:r>
+              <a:rPr lang="en-US" dirty="0"/>
+              <a:t> on </a:t>
+            </a:r>
+            <a:r>
+              <a:rPr lang="en-US" dirty="0" err="1"/>
+              <a:t>HttpContext</a:t>
+            </a:r>
+            <a:endParaRPr lang="en-US" dirty="0"/>
+          </a:p>
+          <a:p>
+            <a:r>
+              <a:rPr lang="en-US" dirty="0"/>
+              <a:t>Generic host inside templates</a:t>
+            </a:r>
+            <a:r>
+              <a:rPr lang="sr-Latn-BA" dirty="0"/>
               <a:t> [</a:t>
             </a:r>
             <a:r>
-              <a:rPr lang="en-US" dirty="0">
+              <a:rPr lang="sr-Latn-BA" dirty="0">
                 <a:hlinkClick r:id="rId3"/>
               </a:rPr>
               <a:t>docs</a:t>
             </a:r>
             <a:r>
-              <a:rPr lang="en-US" dirty="0"/>
+              <a:rPr lang="sr-Latn-BA" dirty="0"/>
               <a:t>]</a:t>
             </a:r>
+            <a:endParaRPr lang="en-US" dirty="0"/>
           </a:p>
           <a:p>
             <a:pPr lvl="1"/>
             <a:r>
               <a:rPr lang="en-US" dirty="0" err="1"/>
-              <a:t>services.AddIdentityServer</a:t>
-            </a:r>
-            <a:r>
-              <a:rPr lang="en-US" dirty="0"/>
-              <a:t>()</a:t>
-            </a:r>
-            <a:br>
-              <a:rPr lang="en-US" dirty="0"/>
-            </a:br>
-            <a:r>
-              <a:rPr lang="en-US" dirty="0"/>
-              <a:t>    .</a:t>
+              <a:t>HostBuilder</a:t>
+            </a:r>
+            <a:r>
+              <a:rPr lang="en-US" dirty="0"/>
+              <a:t> instead </a:t>
             </a:r>
             <a:r>
               <a:rPr lang="en-US" dirty="0" err="1"/>
-              <a:t>AddApiAuthorization</a:t>
-            </a:r>
-            <a:r>
-              <a:rPr lang="en-US" dirty="0"/>
-              <a:t>&lt;</a:t>
-            </a:r>
-            <a:r>
-              <a:rPr lang="en-US" dirty="0" err="1"/>
-              <a:t>ApplicationUser</a:t>
-            </a:r>
-            <a:r>
-              <a:rPr lang="en-US" dirty="0"/>
-              <a:t>, </a:t>
-            </a:r>
-            <a:r>
-              <a:rPr lang="en-US" dirty="0" err="1"/>
-              <a:t>ApplicationDbContext</a:t>
-            </a:r>
-            <a:r>
-              <a:rPr lang="en-US" dirty="0"/>
-              <a:t>&gt;();</a:t>
+              <a:t>WebHostBuilder</a:t>
+            </a:r>
+            <a:endParaRPr lang="en-US" dirty="0"/>
+          </a:p>
+          <a:p>
+            <a:r>
+              <a:rPr lang="sr-Latn-BA" dirty="0"/>
+              <a:t>More options for MVC service registration</a:t>
             </a:r>
           </a:p>
           <a:p>
             <a:pPr lvl="1"/>
             <a:r>
-              <a:rPr lang="en-US" dirty="0" err="1"/>
-              <a:t>services.AddAuthentication</a:t>
-            </a:r>
-            <a:r>
-              <a:rPr lang="en-US" dirty="0"/>
-              <a:t>()</a:t>
-            </a:r>
-            <a:br>
-              <a:rPr lang="en-US" dirty="0"/>
-            </a:br>
-            <a:r>
-              <a:rPr lang="en-US" dirty="0"/>
-              <a:t>    .</a:t>
-            </a:r>
-            <a:r>
-              <a:rPr lang="en-US" dirty="0" err="1"/>
-              <a:t>AddIdentityServerJwt</a:t>
-            </a:r>
-            <a:r>
-              <a:rPr lang="en-US" dirty="0"/>
-              <a:t>();</a:t>
-            </a:r>
+              <a:rPr lang="sr-Latn-BA" dirty="0"/>
+              <a:t>AddControllers()</a:t>
+            </a:r>
+          </a:p>
+          <a:p>
+            <a:pPr lvl="1"/>
+            <a:r>
+              <a:rPr lang="sr-Latn-BA" dirty="0"/>
+              <a:t>AddControllersWithViews()</a:t>
+            </a:r>
+          </a:p>
+          <a:p>
+            <a:pPr lvl="1"/>
+            <a:r>
+              <a:rPr lang="sr-Latn-BA" dirty="0"/>
+              <a:t>AddRazorPages() </a:t>
+            </a:r>
+            <a:endParaRPr lang="en-US" dirty="0"/>
           </a:p>
         </p:txBody>
       </p:sp>
     </p:spTree>
     <p:extLst>
       <p:ext uri="{BB962C8B-B14F-4D97-AF65-F5344CB8AC3E}">
-        <p14:creationId xmlns:p14="http://schemas.microsoft.com/office/powerpoint/2010/main" val="102557680"/>
+        <p14:creationId xmlns:p14="http://schemas.microsoft.com/office/powerpoint/2010/main" val="1374333779"/>
       </p:ext>
     </p:extLst>
   </p:cSld>
@@ -17197,12 +18033,8 @@
           <a:lstStyle/>
           <a:p>
             <a:r>
-              <a:rPr lang="en-US" dirty="0" err="1"/>
-              <a:t>SignalR</a:t>
-            </a:r>
-            <a:r>
-              <a:rPr lang="en-US" dirty="0"/>
-              <a:t> improvements</a:t>
+              <a:rPr lang="en-US" dirty="0"/>
+              <a:t>SPA templates improvements</a:t>
             </a:r>
           </a:p>
         </p:txBody>
@@ -17220,7 +18052,7 @@
         <p:spPr>
           <a:xfrm>
             <a:off x="274640" y="1212851"/>
-            <a:ext cx="11887198" cy="2850011"/>
+            <a:ext cx="11887198" cy="3016210"/>
           </a:xfrm>
         </p:spPr>
         <p:txBody>
@@ -17228,28 +18060,26 @@
           <a:lstStyle/>
           <a:p>
             <a:r>
-              <a:rPr lang="sr-Latn-BA" dirty="0"/>
-              <a:t>C</a:t>
+              <a:rPr lang="en-US" dirty="0"/>
+              <a:t>Upgraded Angular to version 7</a:t>
+            </a:r>
+          </a:p>
+          <a:p>
+            <a:r>
+              <a:rPr lang="en-US" dirty="0"/>
+              <a:t>SPA authentication with </a:t>
             </a:r>
             <a:r>
               <a:rPr lang="en-US" dirty="0" err="1"/>
-              <a:t>lient</a:t>
-            </a:r>
-            <a:r>
-              <a:rPr lang="en-US" dirty="0"/>
-              <a:t>-to-server streaming</a:t>
-            </a:r>
-            <a:r>
-              <a:rPr lang="sr-Latn-BA" dirty="0"/>
-              <a:t> </a:t>
-            </a:r>
-            <a:r>
-              <a:rPr lang="en-US" dirty="0"/>
-              <a:t>[</a:t>
+              <a:t>IdentityServer</a:t>
+            </a:r>
+            <a:r>
+              <a:rPr lang="en-US" dirty="0"/>
+              <a:t> [</a:t>
             </a:r>
             <a:r>
               <a:rPr lang="en-US" dirty="0">
-                <a:hlinkClick r:id="rId2"/>
+                <a:hlinkClick r:id="rId3"/>
               </a:rPr>
               <a:t>docs</a:t>
             </a:r>
@@ -17257,48 +18087,73 @@
               <a:rPr lang="en-US" dirty="0"/>
               <a:t>]</a:t>
             </a:r>
-            <a:endParaRPr lang="sr-Latn-BA" dirty="0"/>
           </a:p>
           <a:p>
             <a:pPr lvl="1"/>
             <a:r>
-              <a:rPr lang="sr-Latn-BA" dirty="0">
-                <a:hlinkClick r:id="rId3"/>
-              </a:rPr>
-              <a:t>https://streamr.azurewebsites.net/</a:t>
-            </a:r>
-            <a:r>
-              <a:rPr lang="sr-Latn-BA" dirty="0"/>
-              <a:t> </a:t>
-            </a:r>
-          </a:p>
-          <a:p>
-            <a:r>
-              <a:rPr lang="en-US" dirty="0"/>
-              <a:t>Endpoint Routing support</a:t>
-            </a:r>
-            <a:endParaRPr lang="sr-Latn-BA" dirty="0"/>
-          </a:p>
-          <a:p>
-            <a:r>
-              <a:rPr lang="en-US" dirty="0"/>
-              <a:t>Long Polling for Java clients</a:t>
-            </a:r>
-            <a:endParaRPr lang="sr-Latn-BA" dirty="0"/>
+              <a:rPr lang="en-US" dirty="0" err="1"/>
+              <a:t>services.AddIdentityServer</a:t>
+            </a:r>
+            <a:r>
+              <a:rPr lang="en-US" dirty="0"/>
+              <a:t>()</a:t>
+            </a:r>
+            <a:br>
+              <a:rPr lang="en-US" dirty="0"/>
+            </a:br>
+            <a:r>
+              <a:rPr lang="en-US" dirty="0"/>
+              <a:t>    .</a:t>
+            </a:r>
+            <a:r>
+              <a:rPr lang="en-US" dirty="0" err="1"/>
+              <a:t>AddApiAuthorization</a:t>
+            </a:r>
+            <a:r>
+              <a:rPr lang="en-US" dirty="0"/>
+              <a:t>&lt;</a:t>
+            </a:r>
+            <a:r>
+              <a:rPr lang="en-US" dirty="0" err="1"/>
+              <a:t>ApplicationUser</a:t>
+            </a:r>
+            <a:r>
+              <a:rPr lang="en-US" dirty="0"/>
+              <a:t>, </a:t>
+            </a:r>
+            <a:r>
+              <a:rPr lang="en-US" dirty="0" err="1"/>
+              <a:t>ApplicationDbContext</a:t>
+            </a:r>
+            <a:r>
+              <a:rPr lang="en-US" dirty="0"/>
+              <a:t>&gt;();</a:t>
+            </a:r>
           </a:p>
           <a:p>
             <a:pPr lvl="1"/>
             <a:r>
-              <a:rPr lang="en-US" dirty="0"/>
-              <a:t>if </a:t>
-            </a:r>
-            <a:r>
               <a:rPr lang="en-US" dirty="0" err="1"/>
-              <a:t>WebSockets</a:t>
-            </a:r>
-            <a:r>
-              <a:rPr lang="en-US" dirty="0"/>
-              <a:t> aren’t supported</a:t>
+              <a:t>services.AddAuthentication</a:t>
+            </a:r>
+            <a:r>
+              <a:rPr lang="en-US" dirty="0"/>
+              <a:t>()</a:t>
+            </a:r>
+            <a:br>
+              <a:rPr lang="en-US" dirty="0"/>
+            </a:br>
+            <a:r>
+              <a:rPr lang="en-US" dirty="0"/>
+              <a:t>    .</a:t>
+            </a:r>
+            <a:r>
+              <a:rPr lang="en-US" dirty="0" err="1"/>
+              <a:t>AddIdentityServerJwt</a:t>
+            </a:r>
+            <a:r>
+              <a:rPr lang="en-US" dirty="0"/>
+              <a:t>();</a:t>
             </a:r>
           </a:p>
         </p:txBody>
@@ -17306,7 +18161,7 @@
     </p:spTree>
     <p:extLst>
       <p:ext uri="{BB962C8B-B14F-4D97-AF65-F5344CB8AC3E}">
-        <p14:creationId xmlns:p14="http://schemas.microsoft.com/office/powerpoint/2010/main" val="3686181496"/>
+        <p14:creationId xmlns:p14="http://schemas.microsoft.com/office/powerpoint/2010/main" val="102557680"/>
       </p:ext>
     </p:extLst>
   </p:cSld>
@@ -17338,7 +18193,7 @@
       </p:grpSpPr>
       <p:sp>
         <p:nvSpPr>
-          <p:cNvPr id="4" name="Title 3"/>
+          <p:cNvPr id="2" name="Title 1"/>
           <p:cNvSpPr>
             <a:spLocks noGrp="1"/>
           </p:cNvSpPr>
@@ -17352,35 +18207,116 @@
           <a:lstStyle/>
           <a:p>
             <a:r>
-              <a:rPr lang="en-US" dirty="0"/>
-              <a:t>Templates</a:t>
+              <a:rPr lang="en-US" dirty="0" err="1"/>
+              <a:t>SignalR</a:t>
+            </a:r>
+            <a:r>
+              <a:rPr lang="en-US" dirty="0"/>
+              <a:t> improvements</a:t>
             </a:r>
           </a:p>
         </p:txBody>
       </p:sp>
       <p:sp>
         <p:nvSpPr>
-          <p:cNvPr id="5" name="Text Placeholder 4"/>
+          <p:cNvPr id="3" name="Content Placeholder 2"/>
           <p:cNvSpPr>
             <a:spLocks noGrp="1"/>
           </p:cNvSpPr>
           <p:nvPr>
-            <p:ph type="body" idx="1"/>
+            <p:ph idx="1"/>
           </p:nvPr>
         </p:nvSpPr>
-        <p:spPr/>
+        <p:spPr>
+          <a:xfrm>
+            <a:off x="274640" y="1212851"/>
+            <a:ext cx="11887198" cy="2850011"/>
+          </a:xfrm>
+        </p:spPr>
         <p:txBody>
           <a:bodyPr/>
           <a:lstStyle/>
           <a:p>
-            <a:endParaRPr lang="en-US"/>
+            <a:r>
+              <a:rPr lang="sr-Latn-BA" dirty="0"/>
+              <a:t>C</a:t>
+            </a:r>
+            <a:r>
+              <a:rPr lang="en-US" dirty="0" err="1"/>
+              <a:t>lient</a:t>
+            </a:r>
+            <a:r>
+              <a:rPr lang="en-US" dirty="0"/>
+              <a:t>-to-server streaming</a:t>
+            </a:r>
+            <a:r>
+              <a:rPr lang="sr-Latn-BA" dirty="0"/>
+              <a:t> </a:t>
+            </a:r>
+            <a:r>
+              <a:rPr lang="en-US" dirty="0"/>
+              <a:t>[</a:t>
+            </a:r>
+            <a:r>
+              <a:rPr lang="en-US" dirty="0">
+                <a:hlinkClick r:id="rId2"/>
+              </a:rPr>
+              <a:t>docs</a:t>
+            </a:r>
+            <a:r>
+              <a:rPr lang="en-US" dirty="0"/>
+              <a:t>]</a:t>
+            </a:r>
+            <a:endParaRPr lang="sr-Latn-BA" dirty="0"/>
+          </a:p>
+          <a:p>
+            <a:pPr lvl="1"/>
+            <a:r>
+              <a:rPr lang="sr-Latn-BA" dirty="0">
+                <a:hlinkClick r:id="rId3"/>
+              </a:rPr>
+              <a:t>https://streamr.azurewebsites.net/</a:t>
+            </a:r>
+            <a:r>
+              <a:rPr lang="sr-Latn-BA" dirty="0"/>
+              <a:t> </a:t>
+            </a:r>
+          </a:p>
+          <a:p>
+            <a:r>
+              <a:rPr lang="en-US" dirty="0"/>
+              <a:t>Endpoint Routing support</a:t>
+            </a:r>
+            <a:endParaRPr lang="sr-Latn-BA" dirty="0"/>
+          </a:p>
+          <a:p>
+            <a:r>
+              <a:rPr lang="en-US" dirty="0"/>
+              <a:t>Long Polling for Java clients</a:t>
+            </a:r>
+            <a:endParaRPr lang="sr-Latn-BA" dirty="0"/>
+          </a:p>
+          <a:p>
+            <a:pPr lvl="1"/>
+            <a:r>
+              <a:rPr lang="en-US" dirty="0"/>
+              <a:t>if </a:t>
+            </a:r>
+            <a:r>
+              <a:rPr lang="en-US" dirty="0" err="1"/>
+              <a:t>WebSockets</a:t>
+            </a:r>
+            <a:r>
+              <a:rPr lang="en-US" dirty="0"/>
+              <a:t> aren’t supported</a:t>
+            </a:r>
           </a:p>
         </p:txBody>
       </p:sp>
     </p:spTree>
     <p:extLst>
       <p:ext uri="{BB962C8B-B14F-4D97-AF65-F5344CB8AC3E}">
-        <p14:creationId xmlns:p14="http://schemas.microsoft.com/office/powerpoint/2010/main" val="920951575"/>
+        <p14:creationId xmlns:p14="http://schemas.microsoft.com/office/powerpoint/2010/main" val="3686181496"/>
       </p:ext>
     </p:extLst>
   </p:cSld>
@@ -17412,7 +18348,7 @@
       </p:grpSpPr>
       <p:sp>
         <p:nvSpPr>
-          <p:cNvPr id="2" name="Title 1"/>
+          <p:cNvPr id="4" name="Title 3"/>
           <p:cNvSpPr>
             <a:spLocks noGrp="1"/>
           </p:cNvSpPr>
@@ -17427,103 +18363,34 @@
           <a:p>
             <a:r>
               <a:rPr lang="en-US" dirty="0"/>
-              <a:t>Worker Service template</a:t>
+              <a:t>Templates</a:t>
             </a:r>
           </a:p>
         </p:txBody>
       </p:sp>
       <p:sp>
         <p:nvSpPr>
-          <p:cNvPr id="3" name="Content Placeholder 2"/>
+          <p:cNvPr id="5" name="Text Placeholder 4"/>
           <p:cNvSpPr>
             <a:spLocks noGrp="1"/>
           </p:cNvSpPr>
           <p:nvPr>
-            <p:ph idx="1"/>
+            <p:ph type="body" idx="1"/>
           </p:nvPr>
         </p:nvSpPr>
-        <p:spPr>
-          <a:xfrm>
-            <a:off x="274640" y="1212851"/>
-            <a:ext cx="11887198" cy="2850011"/>
-          </a:xfrm>
-        </p:spPr>
+        <p:spPr/>
         <p:txBody>
           <a:bodyPr/>
           <a:lstStyle/>
           <a:p>
-            <a:r>
-              <a:rPr lang="en-US" dirty="0"/>
-              <a:t>Long running background processes</a:t>
-            </a:r>
-          </a:p>
-          <a:p>
-            <a:pPr lvl="1"/>
-            <a:r>
-              <a:rPr lang="en-US" dirty="0"/>
-              <a:t>Windows Service</a:t>
-            </a:r>
-            <a:r>
-              <a:rPr lang="sr-Latn-BA" dirty="0"/>
-              <a:t> or</a:t>
-            </a:r>
-            <a:r>
-              <a:rPr lang="en-US" dirty="0"/>
-              <a:t> Linux Daemon</a:t>
-            </a:r>
-          </a:p>
-          <a:p>
-            <a:r>
-              <a:rPr lang="en-US" dirty="0"/>
-              <a:t>Logging, DI, Configuration… </a:t>
-            </a:r>
-            <a:endParaRPr lang="sr-Latn-BA" dirty="0"/>
-          </a:p>
-          <a:p>
-            <a:pPr lvl="1"/>
-            <a:r>
-              <a:rPr lang="en-US" dirty="0"/>
-              <a:t>but without web dependencies</a:t>
-            </a:r>
-            <a:endParaRPr lang="sr-Latn-BA" dirty="0"/>
-          </a:p>
-          <a:p>
-            <a:r>
-              <a:rPr lang="sr-Latn-BA" dirty="0"/>
-              <a:t>Microsoft.NET.Sdk.Worker</a:t>
-            </a:r>
-            <a:endParaRPr lang="en-US" dirty="0"/>
+            <a:endParaRPr lang="en-US"/>
           </a:p>
         </p:txBody>
       </p:sp>
-      <p:pic>
-        <p:nvPicPr>
-          <p:cNvPr id="4" name="Picture 3"/>
-          <p:cNvPicPr>
-            <a:picLocks noChangeAspect="1"/>
-          </p:cNvPicPr>
-          <p:nvPr/>
-        </p:nvPicPr>
-        <p:blipFill>
-          <a:blip r:embed="rId2"/>
-          <a:stretch>
-            <a:fillRect/>
-          </a:stretch>
-        </p:blipFill>
-        <p:spPr>
-          <a:xfrm>
-            <a:off x="7247126" y="3398364"/>
-            <a:ext cx="4985835" cy="3387811"/>
-          </a:xfrm>
-          <a:prstGeom prst="rect">
-            <a:avLst/>
-          </a:prstGeom>
-        </p:spPr>
-      </p:pic>
     </p:spTree>
     <p:extLst>
       <p:ext uri="{BB962C8B-B14F-4D97-AF65-F5344CB8AC3E}">
-        <p14:creationId xmlns:p14="http://schemas.microsoft.com/office/powerpoint/2010/main" val="591062182"/>
+        <p14:creationId xmlns:p14="http://schemas.microsoft.com/office/powerpoint/2010/main" val="920951575"/>
       </p:ext>
     </p:extLst>
   </p:cSld>
@@ -17731,6 +18598,149 @@
           <a:lstStyle/>
           <a:p>
             <a:r>
+              <a:rPr lang="en-US" dirty="0"/>
+              <a:t>Worker Service template</a:t>
+            </a:r>
+          </a:p>
+        </p:txBody>
+      </p:sp>
+      <p:sp>
+        <p:nvSpPr>
+          <p:cNvPr id="3" name="Content Placeholder 2"/>
+          <p:cNvSpPr>
+            <a:spLocks noGrp="1"/>
+          </p:cNvSpPr>
+          <p:nvPr>
+            <p:ph idx="1"/>
+          </p:nvPr>
+        </p:nvSpPr>
+        <p:spPr>
+          <a:xfrm>
+            <a:off x="274640" y="1212851"/>
+            <a:ext cx="11887198" cy="2850011"/>
+          </a:xfrm>
+        </p:spPr>
+        <p:txBody>
+          <a:bodyPr/>
+          <a:lstStyle/>
+          <a:p>
+            <a:r>
+              <a:rPr lang="en-US" dirty="0"/>
+              <a:t>Long running background processes</a:t>
+            </a:r>
+          </a:p>
+          <a:p>
+            <a:pPr lvl="1"/>
+            <a:r>
+              <a:rPr lang="en-US" dirty="0"/>
+              <a:t>Windows Service</a:t>
+            </a:r>
+            <a:r>
+              <a:rPr lang="sr-Latn-BA" dirty="0"/>
+              <a:t> or</a:t>
+            </a:r>
+            <a:r>
+              <a:rPr lang="en-US" dirty="0"/>
+              <a:t> Linux Daemon</a:t>
+            </a:r>
+          </a:p>
+          <a:p>
+            <a:r>
+              <a:rPr lang="en-US" dirty="0"/>
+              <a:t>Logging, DI, Configuration… </a:t>
+            </a:r>
+            <a:endParaRPr lang="sr-Latn-BA" dirty="0"/>
+          </a:p>
+          <a:p>
+            <a:pPr lvl="1"/>
+            <a:r>
+              <a:rPr lang="en-US" dirty="0"/>
+              <a:t>but without web dependencies</a:t>
+            </a:r>
+            <a:endParaRPr lang="sr-Latn-BA" dirty="0"/>
+          </a:p>
+          <a:p>
+            <a:r>
+              <a:rPr lang="sr-Latn-BA" dirty="0"/>
+              <a:t>Microsoft.NET.Sdk.Worker</a:t>
+            </a:r>
+            <a:endParaRPr lang="en-US" dirty="0"/>
+          </a:p>
+        </p:txBody>
+      </p:sp>
+      <p:pic>
+        <p:nvPicPr>
+          <p:cNvPr id="4" name="Picture 3"/>
+          <p:cNvPicPr>
+            <a:picLocks noChangeAspect="1"/>
+          </p:cNvPicPr>
+          <p:nvPr/>
+        </p:nvPicPr>
+        <p:blipFill>
+          <a:blip r:embed="rId2"/>
+          <a:stretch>
+            <a:fillRect/>
+          </a:stretch>
+        </p:blipFill>
+        <p:spPr>
+          <a:xfrm>
+            <a:off x="7247126" y="3398364"/>
+            <a:ext cx="4985835" cy="3387811"/>
+          </a:xfrm>
+          <a:prstGeom prst="rect">
+            <a:avLst/>
+          </a:prstGeom>
+        </p:spPr>
+      </p:pic>
+    </p:spTree>
+    <p:extLst>
+      <p:ext uri="{BB962C8B-B14F-4D97-AF65-F5344CB8AC3E}">
+        <p14:creationId xmlns:p14="http://schemas.microsoft.com/office/powerpoint/2010/main" val="591062182"/>
+      </p:ext>
+    </p:extLst>
+  </p:cSld>
+  <p:clrMapOvr>
+    <a:masterClrMapping/>
+  </p:clrMapOvr>
+  <p:transition>
+    <p:fade/>
+  </p:transition>
+</p:sld>
+</file>
+
+<file path=ppt/slides/slide31.xml><?xml version="1.0" encoding="utf-8"?>
+<p:sld xmlns:a="http://schemas.openxmlformats.org/drawingml/2006/main" xmlns:r="http://schemas.openxmlformats.org/officeDocument/2006/relationships" xmlns:p="http://schemas.openxmlformats.org/presentationml/2006/main" show="0">
+  <p:cSld>
+    <p:spTree>
+      <p:nvGrpSpPr>
+        <p:cNvPr id="1" name=""/>
+        <p:cNvGrpSpPr/>
+        <p:nvPr/>
+      </p:nvGrpSpPr>
+      <p:grpSpPr>
+        <a:xfrm>
+          <a:off x="0" y="0"/>
+          <a:ext cx="0" cy="0"/>
+          <a:chOff x="0" y="0"/>
+          <a:chExt cx="0" cy="0"/>
+        </a:xfrm>
+      </p:grpSpPr>
+      <p:sp>
+        <p:nvSpPr>
+          <p:cNvPr id="2" name="Title 1"/>
+          <p:cNvSpPr>
+            <a:spLocks noGrp="1"/>
+          </p:cNvSpPr>
+          <p:nvPr>
+            <p:ph type="title"/>
+          </p:nvPr>
+        </p:nvSpPr>
+        <p:spPr/>
+        <p:txBody>
+          <a:bodyPr/>
+          <a:lstStyle/>
+          <a:p>
+            <a:r>
               <a:rPr lang="en-US" dirty="0" err="1"/>
               <a:t>gRPC</a:t>
             </a:r>
@@ -17829,7 +18839,7 @@
 </p:sld>
 </file>
 
-<file path=ppt/slides/slide31.xml><?xml version="1.0" encoding="utf-8"?>
+<file path=ppt/slides/slide32.xml><?xml version="1.0" encoding="utf-8"?>
 <p:sld xmlns:a="http://schemas.openxmlformats.org/drawingml/2006/main" xmlns:r="http://schemas.openxmlformats.org/officeDocument/2006/relationships" xmlns:p="http://schemas.openxmlformats.org/presentationml/2006/main">
   <p:cSld>
     <p:spTree>
@@ -17918,7 +18928,7 @@
           <a:p>
             <a:r>
               <a:rPr lang="sr-Latn-BA" dirty="0">
-                <a:hlinkClick r:id="rId2"/>
+                <a:hlinkClick r:id="rId3"/>
               </a:rPr>
               <a:t>PowerShell Core</a:t>
             </a:r>
@@ -17943,7 +18953,7 @@
 </p:sld>
 </file>
 
-<file path=ppt/slides/slide32.xml><?xml version="1.0" encoding="utf-8"?>
+<file path=ppt/slides/slide33.xml><?xml version="1.0" encoding="utf-8"?>
 <p:sld xmlns:a="http://schemas.openxmlformats.org/drawingml/2006/main" xmlns:r="http://schemas.openxmlformats.org/officeDocument/2006/relationships" xmlns:p="http://schemas.openxmlformats.org/presentationml/2006/main" show="0">
   <p:cSld>
     <p:spTree>
@@ -18018,7 +19028,7 @@
 </p:sld>
 </file>
 
-<file path=ppt/slides/slide33.xml><?xml version="1.0" encoding="utf-8"?>
+<file path=ppt/slides/slide34.xml><?xml version="1.0" encoding="utf-8"?>
 <p:sld xmlns:a="http://schemas.openxmlformats.org/drawingml/2006/main" xmlns:r="http://schemas.openxmlformats.org/officeDocument/2006/relationships" xmlns:p="http://schemas.openxmlformats.org/presentationml/2006/main" show="0">
   <p:cSld>
     <p:spTree>
@@ -18138,7 +19148,7 @@
 </p:sld>
 </file>
 
-<file path=ppt/slides/slide34.xml><?xml version="1.0" encoding="utf-8"?>
+<file path=ppt/slides/slide35.xml><?xml version="1.0" encoding="utf-8"?>
 <p:sld xmlns:a="http://schemas.openxmlformats.org/drawingml/2006/main" xmlns:r="http://schemas.openxmlformats.org/officeDocument/2006/relationships" xmlns:p="http://schemas.openxmlformats.org/presentationml/2006/main" show="0">
   <p:cSld>
     <p:spTree>
@@ -18344,7 +19354,7 @@
 </p:sld>
 </file>
 
-<file path=ppt/slides/slide35.xml><?xml version="1.0" encoding="utf-8"?>
+<file path=ppt/slides/slide36.xml><?xml version="1.0" encoding="utf-8"?>
 <p:sld xmlns:a="http://schemas.openxmlformats.org/drawingml/2006/main" xmlns:r="http://schemas.openxmlformats.org/officeDocument/2006/relationships" xmlns:p="http://schemas.openxmlformats.org/presentationml/2006/main" show="0">
   <p:cSld>
     <p:spTree>
@@ -18599,7 +19609,7 @@
 </p:sld>
 </file>
 
-<file path=ppt/slides/slide36.xml><?xml version="1.0" encoding="utf-8"?>
+<file path=ppt/slides/slide37.xml><?xml version="1.0" encoding="utf-8"?>
 <p:sld xmlns:a="http://schemas.openxmlformats.org/drawingml/2006/main" xmlns:r="http://schemas.openxmlformats.org/officeDocument/2006/relationships" xmlns:p="http://schemas.openxmlformats.org/presentationml/2006/main">
   <p:cSld>
     <p:spTree>
@@ -19019,7 +20029,7 @@
 </p:sld>
 </file>
 
-<file path=ppt/slides/slide37.xml><?xml version="1.0" encoding="utf-8"?>
+<file path=ppt/slides/slide38.xml><?xml version="1.0" encoding="utf-8"?>
 <p:sld xmlns:a="http://schemas.openxmlformats.org/drawingml/2006/main" xmlns:r="http://schemas.openxmlformats.org/officeDocument/2006/relationships" xmlns:p="http://schemas.openxmlformats.org/presentationml/2006/main">
   <p:cSld>
     <p:spTree>
@@ -19404,7 +20414,7 @@
 </p:sld>
 </file>
 
-<file path=ppt/slides/slide38.xml><?xml version="1.0" encoding="utf-8"?>
+<file path=ppt/slides/slide39.xml><?xml version="1.0" encoding="utf-8"?>
 <p:sld xmlns:a="http://schemas.openxmlformats.org/drawingml/2006/main" xmlns:r="http://schemas.openxmlformats.org/officeDocument/2006/relationships" xmlns:p="http://schemas.openxmlformats.org/presentationml/2006/main">
   <p:cSld>
     <p:spTree>
@@ -19816,7 +20826,78 @@
 </p:sld>
 </file>
 
-<file path=ppt/slides/slide39.xml><?xml version="1.0" encoding="utf-8"?>
+<file path=ppt/slides/slide4.xml><?xml version="1.0" encoding="utf-8"?>
+<p:sld xmlns:a="http://schemas.openxmlformats.org/drawingml/2006/main" xmlns:r="http://schemas.openxmlformats.org/officeDocument/2006/relationships" xmlns:p="http://schemas.openxmlformats.org/presentationml/2006/main" showMasterSp="0">
+  <p:cSld>
+    <p:spTree>
+      <p:nvGrpSpPr>
+        <p:cNvPr id="1" name=""/>
+        <p:cNvGrpSpPr/>
+        <p:nvPr/>
+      </p:nvGrpSpPr>
+      <p:grpSpPr>
+        <a:xfrm>
+          <a:off x="0" y="0"/>
+          <a:ext cx="0" cy="0"/>
+          <a:chOff x="0" y="0"/>
+          <a:chExt cx="0" cy="0"/>
+        </a:xfrm>
+      </p:grpSpPr>
+      <p:sp>
+        <p:nvSpPr>
+          <p:cNvPr id="4" name="Title 3"/>
+          <p:cNvSpPr>
+            <a:spLocks noGrp="1"/>
+          </p:cNvSpPr>
+          <p:nvPr>
+            <p:ph type="title"/>
+          </p:nvPr>
+        </p:nvSpPr>
+        <p:spPr/>
+        <p:txBody>
+          <a:bodyPr/>
+          <a:lstStyle/>
+          <a:p>
+            <a:r>
+              <a:rPr lang="en-US" dirty="0"/>
+              <a:t>Standards and Languages</a:t>
+            </a:r>
+          </a:p>
+        </p:txBody>
+      </p:sp>
+      <p:sp>
+        <p:nvSpPr>
+          <p:cNvPr id="5" name="Text Placeholder 4"/>
+          <p:cNvSpPr>
+            <a:spLocks noGrp="1"/>
+          </p:cNvSpPr>
+          <p:nvPr>
+            <p:ph type="body" idx="1"/>
+          </p:nvPr>
+        </p:nvSpPr>
+        <p:spPr/>
+        <p:txBody>
+          <a:bodyPr/>
+          <a:lstStyle/>
+          <a:p>
+            <a:endParaRPr lang="en-US"/>
+          </a:p>
+        </p:txBody>
+      </p:sp>
+    </p:spTree>
+    <p:extLst>
+      <p:ext uri="{BB962C8B-B14F-4D97-AF65-F5344CB8AC3E}">
+        <p14:creationId xmlns:p14="http://schemas.microsoft.com/office/powerpoint/2010/main" val="902514529"/>
+      </p:ext>
+    </p:extLst>
+  </p:cSld>
+  <p:clrMapOvr>
+    <a:masterClrMapping/>
+  </p:clrMapOvr>
+</p:sld>
+</file>
+
+<file path=ppt/slides/slide40.xml><?xml version="1.0" encoding="utf-8"?>
 <p:sld xmlns:a="http://schemas.openxmlformats.org/drawingml/2006/main" xmlns:r="http://schemas.openxmlformats.org/officeDocument/2006/relationships" xmlns:p="http://schemas.openxmlformats.org/presentationml/2006/main">
   <p:cSld>
     <p:spTree>
@@ -21137,307 +22218,6 @@
 </p:sld>
 </file>
 
-<file path=ppt/slides/slide4.xml><?xml version="1.0" encoding="utf-8"?>
-<p:sld xmlns:a="http://schemas.openxmlformats.org/drawingml/2006/main" xmlns:r="http://schemas.openxmlformats.org/officeDocument/2006/relationships" xmlns:p="http://schemas.openxmlformats.org/presentationml/2006/main" showMasterSp="0">
-  <p:cSld>
-    <p:spTree>
-      <p:nvGrpSpPr>
-        <p:cNvPr id="1" name=""/>
-        <p:cNvGrpSpPr/>
-        <p:nvPr/>
-      </p:nvGrpSpPr>
-      <p:grpSpPr>
-        <a:xfrm>
-          <a:off x="0" y="0"/>
-          <a:ext cx="0" cy="0"/>
-          <a:chOff x="0" y="0"/>
-          <a:chExt cx="0" cy="0"/>
-        </a:xfrm>
-      </p:grpSpPr>
-      <p:sp>
-        <p:nvSpPr>
-          <p:cNvPr id="4" name="Title 3"/>
-          <p:cNvSpPr>
-            <a:spLocks noGrp="1"/>
-          </p:cNvSpPr>
-          <p:nvPr>
-            <p:ph type="title"/>
-          </p:nvPr>
-        </p:nvSpPr>
-        <p:spPr/>
-        <p:txBody>
-          <a:bodyPr/>
-          <a:lstStyle/>
-          <a:p>
-            <a:r>
-              <a:rPr lang="en-US" dirty="0"/>
-              <a:t>Standards and Languages</a:t>
-            </a:r>
-          </a:p>
-        </p:txBody>
-      </p:sp>
-      <p:sp>
-        <p:nvSpPr>
-          <p:cNvPr id="5" name="Text Placeholder 4"/>
-          <p:cNvSpPr>
-            <a:spLocks noGrp="1"/>
-          </p:cNvSpPr>
-          <p:nvPr>
-            <p:ph type="body" idx="1"/>
-          </p:nvPr>
-        </p:nvSpPr>
-        <p:spPr/>
-        <p:txBody>
-          <a:bodyPr/>
-          <a:lstStyle/>
-          <a:p>
-            <a:endParaRPr lang="en-US"/>
-          </a:p>
-        </p:txBody>
-      </p:sp>
-    </p:spTree>
-    <p:extLst>
-      <p:ext uri="{BB962C8B-B14F-4D97-AF65-F5344CB8AC3E}">
-        <p14:creationId xmlns:p14="http://schemas.microsoft.com/office/powerpoint/2010/main" val="902514529"/>
-      </p:ext>
-    </p:extLst>
-  </p:cSld>
-  <p:clrMapOvr>
-    <a:masterClrMapping/>
-  </p:clrMapOvr>
-</p:sld>
-</file>
-
-<file path=ppt/slides/slide40.xml><?xml version="1.0" encoding="utf-8"?>
-<p:sld xmlns:a="http://schemas.openxmlformats.org/drawingml/2006/main" xmlns:r="http://schemas.openxmlformats.org/officeDocument/2006/relationships" xmlns:p="http://schemas.openxmlformats.org/presentationml/2006/main">
-  <p:cSld>
-    <p:spTree>
-      <p:nvGrpSpPr>
-        <p:cNvPr id="1" name=""/>
-        <p:cNvGrpSpPr/>
-        <p:nvPr/>
-      </p:nvGrpSpPr>
-      <p:grpSpPr>
-        <a:xfrm>
-          <a:off x="0" y="0"/>
-          <a:ext cx="0" cy="0"/>
-          <a:chOff x="0" y="0"/>
-          <a:chExt cx="0" cy="0"/>
-        </a:xfrm>
-      </p:grpSpPr>
-      <p:sp>
-        <p:nvSpPr>
-          <p:cNvPr id="2" name="Title 1"/>
-          <p:cNvSpPr>
-            <a:spLocks noGrp="1"/>
-          </p:cNvSpPr>
-          <p:nvPr>
-            <p:ph type="title"/>
-          </p:nvPr>
-        </p:nvSpPr>
-        <p:spPr/>
-        <p:txBody>
-          <a:bodyPr/>
-          <a:lstStyle/>
-          <a:p>
-            <a:r>
-              <a:rPr lang="en-US" dirty="0"/>
-              <a:t>References</a:t>
-            </a:r>
-            <a:endParaRPr lang="sr-Latn-BA" dirty="0"/>
-          </a:p>
-        </p:txBody>
-      </p:sp>
-      <p:sp>
-        <p:nvSpPr>
-          <p:cNvPr id="3" name="Content Placeholder 2"/>
-          <p:cNvSpPr>
-            <a:spLocks noGrp="1"/>
-          </p:cNvSpPr>
-          <p:nvPr>
-            <p:ph idx="1"/>
-          </p:nvPr>
-        </p:nvSpPr>
-        <p:spPr/>
-        <p:txBody>
-          <a:bodyPr>
-            <a:normAutofit/>
-          </a:bodyPr>
-          <a:lstStyle/>
-          <a:p>
-            <a:r>
-              <a:rPr lang="en-US" dirty="0">
-                <a:hlinkClick r:id="rId2"/>
-              </a:rPr>
-              <a:t>Announcing .NET Standard 2.1</a:t>
-            </a:r>
-            <a:endParaRPr lang="sr-Latn-BA" dirty="0"/>
-          </a:p>
-          <a:p>
-            <a:r>
-              <a:rPr lang="sr-Latn-BA" dirty="0"/>
-              <a:t>.NET Core announcements</a:t>
-            </a:r>
-          </a:p>
-          <a:p>
-            <a:pPr lvl="1"/>
-            <a:r>
-              <a:rPr lang="en-US" dirty="0">
-                <a:hlinkClick r:id="rId3"/>
-              </a:rPr>
-              <a:t>Preview 1</a:t>
-            </a:r>
-            <a:r>
-              <a:rPr lang="sr-Latn-BA" dirty="0"/>
-              <a:t>, </a:t>
-            </a:r>
-            <a:r>
-              <a:rPr lang="en-US" dirty="0">
-                <a:hlinkClick r:id="rId4"/>
-              </a:rPr>
-              <a:t>Preview 2</a:t>
-            </a:r>
-            <a:r>
-              <a:rPr lang="sr-Latn-BA" dirty="0"/>
-              <a:t>, </a:t>
-            </a:r>
-            <a:r>
-              <a:rPr lang="en-US" dirty="0">
-                <a:hlinkClick r:id="rId5"/>
-              </a:rPr>
-              <a:t>Preview 3</a:t>
-            </a:r>
-            <a:r>
-              <a:rPr lang="sr-Latn-BA" dirty="0"/>
-              <a:t>, </a:t>
-            </a:r>
-            <a:r>
-              <a:rPr lang="sr-Latn-BA" dirty="0">
-                <a:hlinkClick r:id="rId6"/>
-              </a:rPr>
-              <a:t>Preview 4</a:t>
-            </a:r>
-            <a:r>
-              <a:rPr lang="sr-Latn-BA" dirty="0"/>
-              <a:t>, </a:t>
-            </a:r>
-            <a:r>
-              <a:rPr lang="sr-Latn-BA" dirty="0">
-                <a:hlinkClick r:id="rId7"/>
-              </a:rPr>
-              <a:t>Preview 5</a:t>
-            </a:r>
-            <a:endParaRPr lang="en-US" dirty="0"/>
-          </a:p>
-          <a:p>
-            <a:r>
-              <a:rPr lang="sr-Latn-BA" dirty="0"/>
-              <a:t>ASP.NET Core announcements</a:t>
-            </a:r>
-            <a:endParaRPr lang="en-US" dirty="0"/>
-          </a:p>
-          <a:p>
-            <a:pPr lvl="1"/>
-            <a:r>
-              <a:rPr lang="en-US" dirty="0">
-                <a:hlinkClick r:id="rId8"/>
-              </a:rPr>
-              <a:t>Preview 2</a:t>
-            </a:r>
-            <a:r>
-              <a:rPr lang="sr-Latn-BA" dirty="0"/>
-              <a:t>, </a:t>
-            </a:r>
-            <a:r>
-              <a:rPr lang="en-US" dirty="0">
-                <a:hlinkClick r:id="rId9"/>
-              </a:rPr>
-              <a:t>Preview 3</a:t>
-            </a:r>
-            <a:r>
-              <a:rPr lang="sr-Latn-BA" dirty="0"/>
-              <a:t>, </a:t>
-            </a:r>
-            <a:r>
-              <a:rPr lang="sr-Latn-BA" dirty="0">
-                <a:hlinkClick r:id="rId10"/>
-              </a:rPr>
-              <a:t>Preview 4</a:t>
-            </a:r>
-            <a:r>
-              <a:rPr lang="sr-Latn-BA" dirty="0"/>
-              <a:t>, </a:t>
-            </a:r>
-            <a:r>
-              <a:rPr lang="sr-Latn-BA" dirty="0">
-                <a:hlinkClick r:id="rId11"/>
-              </a:rPr>
-              <a:t>Preview 5</a:t>
-            </a:r>
-            <a:endParaRPr lang="en-US" dirty="0"/>
-          </a:p>
-          <a:p>
-            <a:r>
-              <a:rPr lang="sr-Latn-BA" dirty="0"/>
-              <a:t>Entity Framework Core announcements</a:t>
-            </a:r>
-          </a:p>
-          <a:p>
-            <a:pPr lvl="1"/>
-            <a:r>
-              <a:rPr lang="en-US" dirty="0">
-                <a:hlinkClick r:id="rId12"/>
-              </a:rPr>
-              <a:t>What is new in EF Core 3.0</a:t>
-            </a:r>
-            <a:r>
-              <a:rPr lang="sr-Latn-BA" dirty="0"/>
-              <a:t>, </a:t>
-            </a:r>
-            <a:r>
-              <a:rPr lang="sr-Latn-BA" dirty="0">
-                <a:hlinkClick r:id="rId13"/>
-              </a:rPr>
-              <a:t>Preview 4</a:t>
-            </a:r>
-            <a:endParaRPr lang="en-US" dirty="0"/>
-          </a:p>
-          <a:p>
-            <a:r>
-              <a:rPr lang="en-US" dirty="0"/>
-              <a:t>ASP.NET Community Standup</a:t>
-            </a:r>
-            <a:endParaRPr lang="sr-Latn-BA" dirty="0"/>
-          </a:p>
-          <a:p>
-            <a:pPr lvl="1"/>
-            <a:r>
-              <a:rPr lang="sr-Latn-BA" dirty="0">
-                <a:hlinkClick r:id="rId14"/>
-              </a:rPr>
-              <a:t>https://live.asp.net/</a:t>
-            </a:r>
-            <a:r>
-              <a:rPr lang="en-US" dirty="0"/>
-              <a:t>  </a:t>
-            </a:r>
-            <a:endParaRPr lang="sr-Latn-BA" dirty="0"/>
-          </a:p>
-        </p:txBody>
-      </p:sp>
-    </p:spTree>
-    <p:extLst>
-      <p:ext uri="{BB962C8B-B14F-4D97-AF65-F5344CB8AC3E}">
-        <p14:creationId xmlns:p14="http://schemas.microsoft.com/office/powerpoint/2010/main" val="2785185853"/>
-      </p:ext>
-    </p:extLst>
-  </p:cSld>
-  <p:clrMapOvr>
-    <a:masterClrMapping/>
-  </p:clrMapOvr>
-</p:sld>
-</file>
-
 <file path=ppt/slides/slide41.xml><?xml version="1.0" encoding="utf-8"?>
 <p:sld xmlns:a="http://schemas.openxmlformats.org/drawingml/2006/main" xmlns:r="http://schemas.openxmlformats.org/officeDocument/2006/relationships" xmlns:p="http://schemas.openxmlformats.org/presentationml/2006/main">
   <p:cSld>
@@ -21471,9 +22251,157 @@
           <a:lstStyle/>
           <a:p>
             <a:r>
-              <a:rPr lang="en-US" dirty="0"/>
-              <a:t>Conclusion</a:t>
-            </a:r>
+              <a:rPr lang="sr-Latn-BA" dirty="0"/>
+              <a:t>.NET 5!</a:t>
+            </a:r>
+            <a:endParaRPr lang="en-US" dirty="0"/>
+          </a:p>
+        </p:txBody>
+      </p:sp>
+      <p:pic>
+        <p:nvPicPr>
+          <p:cNvPr id="4" name="Content Placeholder 3"/>
+          <p:cNvPicPr>
+            <a:picLocks noGrp="1" noChangeAspect="1"/>
+          </p:cNvPicPr>
+          <p:nvPr>
+            <p:ph idx="1"/>
+          </p:nvPr>
+        </p:nvPicPr>
+        <p:blipFill>
+          <a:blip r:embed="rId2" cstate="print">
+            <a:extLst>
+              <a:ext uri="{28A0092B-C50C-407E-A947-70E740481C1C}">
+                <a14:useLocalDpi xmlns:a14="http://schemas.microsoft.com/office/drawing/2010/main" val="0"/>
+              </a:ext>
+            </a:extLst>
+          </a:blip>
+          <a:stretch>
+            <a:fillRect/>
+          </a:stretch>
+        </p:blipFill>
+        <p:spPr>
+          <a:xfrm>
+            <a:off x="404388" y="1945680"/>
+            <a:ext cx="6138233" cy="3271274"/>
+          </a:xfrm>
+        </p:spPr>
+      </p:pic>
+      <p:pic>
+        <p:nvPicPr>
+          <p:cNvPr id="5" name="Picture 4"/>
+          <p:cNvPicPr>
+            <a:picLocks noChangeAspect="1"/>
+          </p:cNvPicPr>
+          <p:nvPr/>
+        </p:nvPicPr>
+        <p:blipFill>
+          <a:blip r:embed="rId3" cstate="print">
+            <a:extLst>
+              <a:ext uri="{28A0092B-C50C-407E-A947-70E740481C1C}">
+                <a14:useLocalDpi xmlns:a14="http://schemas.microsoft.com/office/drawing/2010/main" val="0"/>
+              </a:ext>
+            </a:extLst>
+          </a:blip>
+          <a:stretch>
+            <a:fillRect/>
+          </a:stretch>
+        </p:blipFill>
+        <p:spPr>
+          <a:xfrm>
+            <a:off x="6542621" y="2140135"/>
+            <a:ext cx="5568587" cy="3076819"/>
+          </a:xfrm>
+          <a:prstGeom prst="rect">
+            <a:avLst/>
+          </a:prstGeom>
+        </p:spPr>
+      </p:pic>
+      <p:sp>
+        <p:nvSpPr>
+          <p:cNvPr id="6" name="Rectangle 5"/>
+          <p:cNvSpPr/>
+          <p:nvPr/>
+        </p:nvSpPr>
+        <p:spPr>
+          <a:xfrm>
+            <a:off x="466471" y="5832015"/>
+            <a:ext cx="8267763" cy="478376"/>
+          </a:xfrm>
+          <a:prstGeom prst="rect">
+            <a:avLst/>
+          </a:prstGeom>
+        </p:spPr>
+        <p:txBody>
+          <a:bodyPr wrap="none">
+            <a:spAutoFit/>
+          </a:bodyPr>
+          <a:lstStyle/>
+          <a:p>
+            <a:r>
+              <a:rPr lang="en-US" sz="2448" dirty="0">
+                <a:hlinkClick r:id="rId4"/>
+              </a:rPr>
+              <a:t>https://devblogs.microsoft.com/dotnet/introducing-net-5/</a:t>
+            </a:r>
+            <a:r>
+              <a:rPr lang="sr-Latn-BA" sz="2448" dirty="0"/>
+              <a:t> </a:t>
+            </a:r>
+            <a:endParaRPr lang="en-US" sz="2448" dirty="0"/>
+          </a:p>
+        </p:txBody>
+      </p:sp>
+    </p:spTree>
+    <p:extLst>
+      <p:ext uri="{BB962C8B-B14F-4D97-AF65-F5344CB8AC3E}">
+        <p14:creationId xmlns:p14="http://schemas.microsoft.com/office/powerpoint/2010/main" val="2381146052"/>
+      </p:ext>
+    </p:extLst>
+  </p:cSld>
+  <p:clrMapOvr>
+    <a:masterClrMapping/>
+  </p:clrMapOvr>
+</p:sld>
+</file>
+
+<file path=ppt/slides/slide42.xml><?xml version="1.0" encoding="utf-8"?>
+<p:sld xmlns:a="http://schemas.openxmlformats.org/drawingml/2006/main" xmlns:r="http://schemas.openxmlformats.org/officeDocument/2006/relationships" xmlns:p="http://schemas.openxmlformats.org/presentationml/2006/main">
+  <p:cSld>
+    <p:spTree>
+      <p:nvGrpSpPr>
+        <p:cNvPr id="1" name=""/>
+        <p:cNvGrpSpPr/>
+        <p:nvPr/>
+      </p:nvGrpSpPr>
+      <p:grpSpPr>
+        <a:xfrm>
+          <a:off x="0" y="0"/>
+          <a:ext cx="0" cy="0"/>
+          <a:chOff x="0" y="0"/>
+          <a:chExt cx="0" cy="0"/>
+        </a:xfrm>
+      </p:grpSpPr>
+      <p:sp>
+        <p:nvSpPr>
+          <p:cNvPr id="2" name="Title 1"/>
+          <p:cNvSpPr>
+            <a:spLocks noGrp="1"/>
+          </p:cNvSpPr>
+          <p:nvPr>
+            <p:ph type="title"/>
+          </p:nvPr>
+        </p:nvSpPr>
+        <p:spPr/>
+        <p:txBody>
+          <a:bodyPr/>
+          <a:lstStyle/>
+          <a:p>
+            <a:r>
+              <a:rPr lang="en-US" dirty="0"/>
+              <a:t>References</a:t>
+            </a:r>
+            <a:endParaRPr lang="sr-Latn-BA" dirty="0"/>
           </a:p>
         </p:txBody>
       </p:sp>
@@ -21495,6 +22423,235 @@
           <a:lstStyle/>
           <a:p>
             <a:r>
+              <a:rPr lang="en-US" dirty="0">
+                <a:hlinkClick r:id="rId2"/>
+              </a:rPr>
+              <a:t>Announcing .NET Standard 2.1</a:t>
+            </a:r>
+            <a:endParaRPr lang="sr-Latn-BA" dirty="0"/>
+          </a:p>
+          <a:p>
+            <a:r>
+              <a:rPr lang="sr-Latn-BA" dirty="0"/>
+              <a:t>.NET Core announcements</a:t>
+            </a:r>
+          </a:p>
+          <a:p>
+            <a:pPr lvl="1"/>
+            <a:r>
+              <a:rPr lang="en-US" dirty="0">
+                <a:hlinkClick r:id="rId3"/>
+              </a:rPr>
+              <a:t>Preview 1</a:t>
+            </a:r>
+            <a:r>
+              <a:rPr lang="sr-Latn-BA" dirty="0"/>
+              <a:t>, </a:t>
+            </a:r>
+            <a:r>
+              <a:rPr lang="en-US" dirty="0">
+                <a:hlinkClick r:id="rId4"/>
+              </a:rPr>
+              <a:t>Preview 2</a:t>
+            </a:r>
+            <a:r>
+              <a:rPr lang="sr-Latn-BA" dirty="0"/>
+              <a:t>, </a:t>
+            </a:r>
+            <a:r>
+              <a:rPr lang="en-US" dirty="0">
+                <a:hlinkClick r:id="rId5"/>
+              </a:rPr>
+              <a:t>Preview 3</a:t>
+            </a:r>
+            <a:r>
+              <a:rPr lang="sr-Latn-BA" dirty="0"/>
+              <a:t>, </a:t>
+            </a:r>
+            <a:r>
+              <a:rPr lang="sr-Latn-BA" dirty="0">
+                <a:hlinkClick r:id="rId6"/>
+              </a:rPr>
+              <a:t>Preview 4</a:t>
+            </a:r>
+            <a:r>
+              <a:rPr lang="sr-Latn-BA" dirty="0"/>
+              <a:t>, </a:t>
+            </a:r>
+            <a:r>
+              <a:rPr lang="sr-Latn-BA" dirty="0">
+                <a:hlinkClick r:id="rId7"/>
+              </a:rPr>
+              <a:t>Preview 5</a:t>
+            </a:r>
+            <a:endParaRPr lang="en-US" dirty="0"/>
+          </a:p>
+          <a:p>
+            <a:r>
+              <a:rPr lang="sr-Latn-BA" dirty="0"/>
+              <a:t>ASP.NET Core announcements</a:t>
+            </a:r>
+            <a:endParaRPr lang="en-US" dirty="0"/>
+          </a:p>
+          <a:p>
+            <a:pPr lvl="1"/>
+            <a:r>
+              <a:rPr lang="en-US" dirty="0">
+                <a:hlinkClick r:id="rId8"/>
+              </a:rPr>
+              <a:t>Preview 2</a:t>
+            </a:r>
+            <a:r>
+              <a:rPr lang="sr-Latn-BA" dirty="0"/>
+              <a:t>, </a:t>
+            </a:r>
+            <a:r>
+              <a:rPr lang="en-US" dirty="0">
+                <a:hlinkClick r:id="rId9"/>
+              </a:rPr>
+              <a:t>Preview 3</a:t>
+            </a:r>
+            <a:r>
+              <a:rPr lang="sr-Latn-BA" dirty="0"/>
+              <a:t>, </a:t>
+            </a:r>
+            <a:r>
+              <a:rPr lang="sr-Latn-BA" dirty="0">
+                <a:hlinkClick r:id="rId10"/>
+              </a:rPr>
+              <a:t>Preview 4</a:t>
+            </a:r>
+            <a:r>
+              <a:rPr lang="sr-Latn-BA" dirty="0"/>
+              <a:t>, </a:t>
+            </a:r>
+            <a:r>
+              <a:rPr lang="sr-Latn-BA" dirty="0">
+                <a:hlinkClick r:id="rId11"/>
+              </a:rPr>
+              <a:t>Preview 5</a:t>
+            </a:r>
+            <a:endParaRPr lang="en-US" dirty="0"/>
+          </a:p>
+          <a:p>
+            <a:r>
+              <a:rPr lang="sr-Latn-BA" dirty="0"/>
+              <a:t>Entity Framework Core announcements</a:t>
+            </a:r>
+          </a:p>
+          <a:p>
+            <a:pPr lvl="1"/>
+            <a:r>
+              <a:rPr lang="en-US" dirty="0">
+                <a:hlinkClick r:id="rId12"/>
+              </a:rPr>
+              <a:t>What is new in EF Core 3.0</a:t>
+            </a:r>
+            <a:r>
+              <a:rPr lang="sr-Latn-BA" dirty="0"/>
+              <a:t>, </a:t>
+            </a:r>
+            <a:r>
+              <a:rPr lang="sr-Latn-BA" dirty="0">
+                <a:hlinkClick r:id="rId13"/>
+              </a:rPr>
+              <a:t>Preview 4</a:t>
+            </a:r>
+            <a:endParaRPr lang="en-US" dirty="0"/>
+          </a:p>
+          <a:p>
+            <a:r>
+              <a:rPr lang="en-US" dirty="0"/>
+              <a:t>ASP.NET Community Standup</a:t>
+            </a:r>
+            <a:endParaRPr lang="sr-Latn-BA" dirty="0"/>
+          </a:p>
+          <a:p>
+            <a:pPr lvl="1"/>
+            <a:r>
+              <a:rPr lang="sr-Latn-BA" dirty="0">
+                <a:hlinkClick r:id="rId14"/>
+              </a:rPr>
+              <a:t>https://live.asp.net/</a:t>
+            </a:r>
+            <a:r>
+              <a:rPr lang="en-US" dirty="0"/>
+              <a:t>  </a:t>
+            </a:r>
+            <a:endParaRPr lang="sr-Latn-BA" dirty="0"/>
+          </a:p>
+        </p:txBody>
+      </p:sp>
+    </p:spTree>
+    <p:extLst>
+      <p:ext uri="{BB962C8B-B14F-4D97-AF65-F5344CB8AC3E}">
+        <p14:creationId xmlns:p14="http://schemas.microsoft.com/office/powerpoint/2010/main" val="2785185853"/>
+      </p:ext>
+    </p:extLst>
+  </p:cSld>
+  <p:clrMapOvr>
+    <a:masterClrMapping/>
+  </p:clrMapOvr>
+</p:sld>
+</file>
+
+<file path=ppt/slides/slide43.xml><?xml version="1.0" encoding="utf-8"?>
+<p:sld xmlns:a="http://schemas.openxmlformats.org/drawingml/2006/main" xmlns:r="http://schemas.openxmlformats.org/officeDocument/2006/relationships" xmlns:p="http://schemas.openxmlformats.org/presentationml/2006/main">
+  <p:cSld>
+    <p:spTree>
+      <p:nvGrpSpPr>
+        <p:cNvPr id="1" name=""/>
+        <p:cNvGrpSpPr/>
+        <p:nvPr/>
+      </p:nvGrpSpPr>
+      <p:grpSpPr>
+        <a:xfrm>
+          <a:off x="0" y="0"/>
+          <a:ext cx="0" cy="0"/>
+          <a:chOff x="0" y="0"/>
+          <a:chExt cx="0" cy="0"/>
+        </a:xfrm>
+      </p:grpSpPr>
+      <p:sp>
+        <p:nvSpPr>
+          <p:cNvPr id="2" name="Title 1"/>
+          <p:cNvSpPr>
+            <a:spLocks noGrp="1"/>
+          </p:cNvSpPr>
+          <p:nvPr>
+            <p:ph type="title"/>
+          </p:nvPr>
+        </p:nvSpPr>
+        <p:spPr/>
+        <p:txBody>
+          <a:bodyPr/>
+          <a:lstStyle/>
+          <a:p>
+            <a:r>
+              <a:rPr lang="en-US" dirty="0"/>
+              <a:t>Conclusion</a:t>
+            </a:r>
+          </a:p>
+        </p:txBody>
+      </p:sp>
+      <p:sp>
+        <p:nvSpPr>
+          <p:cNvPr id="3" name="Content Placeholder 2"/>
+          <p:cNvSpPr>
+            <a:spLocks noGrp="1"/>
+          </p:cNvSpPr>
+          <p:nvPr>
+            <p:ph idx="1"/>
+          </p:nvPr>
+        </p:nvSpPr>
+        <p:spPr/>
+        <p:txBody>
+          <a:bodyPr>
+            <a:normAutofit/>
+          </a:bodyPr>
+          <a:lstStyle/>
+          <a:p>
+            <a:r>
               <a:rPr lang="en-US" dirty="0"/>
               <a:t>Bunch of new features</a:t>
             </a:r>
@@ -21559,7 +22716,7 @@
 </p:sld>
 </file>
 
-<file path=ppt/slides/slide42.xml><?xml version="1.0" encoding="utf-8"?>
+<file path=ppt/slides/slide44.xml><?xml version="1.0" encoding="utf-8"?>
 <p:sld xmlns:a="http://schemas.openxmlformats.org/drawingml/2006/main" xmlns:r="http://schemas.openxmlformats.org/officeDocument/2006/relationships" xmlns:p="http://schemas.openxmlformats.org/presentationml/2006/main">
   <p:cSld>
     <p:spTree>
@@ -22322,7 +23479,7 @@
             </a:r>
             <a:r>
               <a:rPr lang="sr-Latn-BA" dirty="0">
-                <a:hlinkClick r:id="rId2"/>
+                <a:hlinkClick r:id="rId3"/>
               </a:rPr>
               <a:t>info and samples</a:t>
             </a:r>
@@ -22335,7 +23492,7 @@
           <a:p>
             <a:r>
               <a:rPr lang="en-US" dirty="0">
-                <a:hlinkClick r:id="rId3"/>
+                <a:hlinkClick r:id="rId4"/>
               </a:rPr>
               <a:t>Announcement</a:t>
             </a:r>
@@ -22345,7 +23502,7 @@
             </a:r>
             <a:r>
               <a:rPr lang="en-US" dirty="0">
-                <a:hlinkClick r:id="rId4"/>
+                <a:hlinkClick r:id="rId5"/>
               </a:rPr>
               <a:t>Roadmap</a:t>
             </a:r>
@@ -22362,7 +23519,7 @@
           <p:nvPr/>
         </p:nvPicPr>
         <p:blipFill>
-          <a:blip r:embed="rId5" cstate="print">
+          <a:blip r:embed="rId6" cstate="print">
             <a:extLst>
               <a:ext uri="{28A0092B-C50C-407E-A947-70E740481C1C}">
                 <a14:useLocalDpi xmlns:a14="http://schemas.microsoft.com/office/drawing/2010/main" val="0"/>
@@ -22377,6 +23534,36 @@
           <a:xfrm>
             <a:off x="9135612" y="294925"/>
             <a:ext cx="3026974" cy="3026974"/>
+          </a:xfrm>
+          <a:prstGeom prst="rect">
+            <a:avLst/>
+          </a:prstGeom>
+        </p:spPr>
+      </p:pic>
+      <p:pic>
+        <p:nvPicPr>
+          <p:cNvPr id="5" name="Picture 4">
+            <a:extLst>
+              <a:ext uri="{FF2B5EF4-FFF2-40B4-BE49-F238E27FC236}">
+                <a16:creationId xmlns:a16="http://schemas.microsoft.com/office/drawing/2014/main" id="{19790CCD-E781-4C78-8A41-E7E4E23FE722}"/>
+              </a:ext>
+            </a:extLst>
+          </p:cNvPr>
+          <p:cNvPicPr>
+            <a:picLocks noChangeAspect="1"/>
+          </p:cNvPicPr>
+          <p:nvPr/>
+        </p:nvPicPr>
+        <p:blipFill>
+          <a:blip r:embed="rId7"/>
+          <a:stretch>
+            <a:fillRect/>
+          </a:stretch>
+        </p:blipFill>
+        <p:spPr>
+          <a:xfrm>
+            <a:off x="6222406" y="3498535"/>
+            <a:ext cx="5144204" cy="3351527"/>
           </a:xfrm>
           <a:prstGeom prst="rect">
             <a:avLst/>
@@ -22514,6 +23701,53 @@
           </a:p>
         </p:txBody>
       </p:sp>
+      <p:pic>
+        <p:nvPicPr>
+          <p:cNvPr id="2050" name="Picture 2" descr="https://devblogs.microsoft.com/dotnet/wp-content/uploads/sites/10/2017/07/Brotli-01.png">
+            <a:extLst>
+              <a:ext uri="{FF2B5EF4-FFF2-40B4-BE49-F238E27FC236}">
+                <a16:creationId xmlns:a16="http://schemas.microsoft.com/office/drawing/2014/main" id="{16FE8F93-A2E9-4E9F-9573-CEBA4FF3399D}"/>
+              </a:ext>
+            </a:extLst>
+          </p:cNvPr>
+          <p:cNvPicPr>
+            <a:picLocks noChangeAspect="1" noChangeArrowheads="1"/>
+          </p:cNvPicPr>
+          <p:nvPr/>
+        </p:nvPicPr>
+        <p:blipFill>
+          <a:blip r:embed="rId4">
+            <a:extLst>
+              <a:ext uri="{28A0092B-C50C-407E-A947-70E740481C1C}">
+                <a14:useLocalDpi xmlns:a14="http://schemas.microsoft.com/office/drawing/2010/main" val="0"/>
+              </a:ext>
+            </a:extLst>
+          </a:blip>
+          <a:srcRect/>
+          <a:stretch>
+            <a:fillRect/>
+          </a:stretch>
+        </p:blipFill>
+        <p:spPr bwMode="auto">
+          <a:xfrm>
+            <a:off x="6370637" y="2887662"/>
+            <a:ext cx="3352800" cy="1712228"/>
+          </a:xfrm>
+          <a:prstGeom prst="rect">
+            <a:avLst/>
+          </a:prstGeom>
+          <a:noFill/>
+          <a:extLst>
+            <a:ext uri="{909E8E84-426E-40DD-AFC4-6F175D3DCCD1}">
+              <a14:hiddenFill xmlns:a14="http://schemas.microsoft.com/office/drawing/2010/main">
+                <a:solidFill>
+                  <a:srgbClr val="FFFFFF"/>
+                </a:solidFill>
+              </a14:hiddenFill>
+            </a:ext>
+          </a:extLst>
+        </p:spPr>
+      </p:pic>
     </p:spTree>
     <p:extLst>
       <p:ext uri="{BB962C8B-B14F-4D97-AF65-F5344CB8AC3E}">
